--- a/RBC/MyDoh_assignment.pptx
+++ b/RBC/MyDoh_assignment.pptx
@@ -6,6 +6,13 @@
   </p:sldMasterIdLst>
   <p:sldIdLst>
     <p:sldId id="256" r:id="rId2"/>
+    <p:sldId id="257" r:id="rId3"/>
+    <p:sldId id="258" r:id="rId4"/>
+    <p:sldId id="259" r:id="rId5"/>
+    <p:sldId id="260" r:id="rId6"/>
+    <p:sldId id="261" r:id="rId7"/>
+    <p:sldId id="262" r:id="rId8"/>
+    <p:sldId id="263" r:id="rId9"/>
   </p:sldIdLst>
   <p:sldSz cx="12192000" cy="6858000"/>
   <p:notesSz cx="6858000" cy="9144000"/>
@@ -110,9 +117,19 @@
         <p14:section name="Untitled Section" id="{D9359C4F-C5A7-3549-9B6B-7115F5678811}">
           <p14:sldIdLst>
             <p14:sldId id="256"/>
+            <p14:sldId id="257"/>
+            <p14:sldId id="258"/>
+            <p14:sldId id="259"/>
+            <p14:sldId id="260"/>
+            <p14:sldId id="261"/>
+            <p14:sldId id="262"/>
+            <p14:sldId id="263"/>
           </p14:sldIdLst>
         </p14:section>
       </p14:sectionLst>
+    </p:ext>
+    <p:ext uri="{EFAFB233-063F-42B5-8137-9DF3F51BA10A}">
+      <p15:sldGuideLst xmlns:p15="http://schemas.microsoft.com/office/powerpoint/2012/main"/>
     </p:ext>
   </p:extLst>
 </p:presentation>
@@ -265,7 +282,7 @@
           <a:p>
             <a:fld id="{CC6B3A8E-D37F-1047-83C9-E1D43CBBF964}" type="datetimeFigureOut">
               <a:rPr lang="en-US" smtClean="0"/>
-              <a:t>9/3/21</a:t>
+              <a:t>9/6/21</a:t>
             </a:fld>
             <a:endParaRPr lang="en-US"/>
           </a:p>
@@ -463,7 +480,7 @@
           <a:p>
             <a:fld id="{CC6B3A8E-D37F-1047-83C9-E1D43CBBF964}" type="datetimeFigureOut">
               <a:rPr lang="en-US" smtClean="0"/>
-              <a:t>9/3/21</a:t>
+              <a:t>9/6/21</a:t>
             </a:fld>
             <a:endParaRPr lang="en-US"/>
           </a:p>
@@ -671,7 +688,7 @@
           <a:p>
             <a:fld id="{CC6B3A8E-D37F-1047-83C9-E1D43CBBF964}" type="datetimeFigureOut">
               <a:rPr lang="en-US" smtClean="0"/>
-              <a:t>9/3/21</a:t>
+              <a:t>9/6/21</a:t>
             </a:fld>
             <a:endParaRPr lang="en-US"/>
           </a:p>
@@ -869,7 +886,7 @@
           <a:p>
             <a:fld id="{CC6B3A8E-D37F-1047-83C9-E1D43CBBF964}" type="datetimeFigureOut">
               <a:rPr lang="en-US" smtClean="0"/>
-              <a:t>9/3/21</a:t>
+              <a:t>9/6/21</a:t>
             </a:fld>
             <a:endParaRPr lang="en-US"/>
           </a:p>
@@ -1144,7 +1161,7 @@
           <a:p>
             <a:fld id="{CC6B3A8E-D37F-1047-83C9-E1D43CBBF964}" type="datetimeFigureOut">
               <a:rPr lang="en-US" smtClean="0"/>
-              <a:t>9/3/21</a:t>
+              <a:t>9/6/21</a:t>
             </a:fld>
             <a:endParaRPr lang="en-US"/>
           </a:p>
@@ -1409,7 +1426,7 @@
           <a:p>
             <a:fld id="{CC6B3A8E-D37F-1047-83C9-E1D43CBBF964}" type="datetimeFigureOut">
               <a:rPr lang="en-US" smtClean="0"/>
-              <a:t>9/3/21</a:t>
+              <a:t>9/6/21</a:t>
             </a:fld>
             <a:endParaRPr lang="en-US"/>
           </a:p>
@@ -1821,7 +1838,7 @@
           <a:p>
             <a:fld id="{CC6B3A8E-D37F-1047-83C9-E1D43CBBF964}" type="datetimeFigureOut">
               <a:rPr lang="en-US" smtClean="0"/>
-              <a:t>9/3/21</a:t>
+              <a:t>9/6/21</a:t>
             </a:fld>
             <a:endParaRPr lang="en-US"/>
           </a:p>
@@ -1962,7 +1979,7 @@
           <a:p>
             <a:fld id="{CC6B3A8E-D37F-1047-83C9-E1D43CBBF964}" type="datetimeFigureOut">
               <a:rPr lang="en-US" smtClean="0"/>
-              <a:t>9/3/21</a:t>
+              <a:t>9/6/21</a:t>
             </a:fld>
             <a:endParaRPr lang="en-US"/>
           </a:p>
@@ -2075,7 +2092,7 @@
           <a:p>
             <a:fld id="{CC6B3A8E-D37F-1047-83C9-E1D43CBBF964}" type="datetimeFigureOut">
               <a:rPr lang="en-US" smtClean="0"/>
-              <a:t>9/3/21</a:t>
+              <a:t>9/6/21</a:t>
             </a:fld>
             <a:endParaRPr lang="en-US"/>
           </a:p>
@@ -2386,7 +2403,7 @@
           <a:p>
             <a:fld id="{CC6B3A8E-D37F-1047-83C9-E1D43CBBF964}" type="datetimeFigureOut">
               <a:rPr lang="en-US" smtClean="0"/>
-              <a:t>9/3/21</a:t>
+              <a:t>9/6/21</a:t>
             </a:fld>
             <a:endParaRPr lang="en-US"/>
           </a:p>
@@ -2674,7 +2691,7 @@
           <a:p>
             <a:fld id="{CC6B3A8E-D37F-1047-83C9-E1D43CBBF964}" type="datetimeFigureOut">
               <a:rPr lang="en-US" smtClean="0"/>
-              <a:t>9/3/21</a:t>
+              <a:t>9/6/21</a:t>
             </a:fld>
             <a:endParaRPr lang="en-US"/>
           </a:p>
@@ -2918,7 +2935,7 @@
           <a:p>
             <a:fld id="{CC6B3A8E-D37F-1047-83C9-E1D43CBBF964}" type="datetimeFigureOut">
               <a:rPr lang="en-US" smtClean="0"/>
-              <a:t>9/3/21</a:t>
+              <a:t>9/6/21</a:t>
             </a:fld>
             <a:endParaRPr lang="en-US"/>
           </a:p>
@@ -3450,6 +3467,2347 @@
 </p:sld>
 </file>
 
+<file path=ppt/slides/slide2.xml><?xml version="1.0" encoding="utf-8"?>
+<p:sld xmlns:a="http://schemas.openxmlformats.org/drawingml/2006/main" xmlns:r="http://schemas.openxmlformats.org/officeDocument/2006/relationships" xmlns:p="http://schemas.openxmlformats.org/presentationml/2006/main">
+  <p:cSld>
+    <p:spTree>
+      <p:nvGrpSpPr>
+        <p:cNvPr id="1" name=""/>
+        <p:cNvGrpSpPr/>
+        <p:nvPr/>
+      </p:nvGrpSpPr>
+      <p:grpSpPr>
+        <a:xfrm>
+          <a:off x="0" y="0"/>
+          <a:ext cx="0" cy="0"/>
+          <a:chOff x="0" y="0"/>
+          <a:chExt cx="0" cy="0"/>
+        </a:xfrm>
+      </p:grpSpPr>
+      <p:sp>
+        <p:nvSpPr>
+          <p:cNvPr id="2" name="Title 1">
+            <a:extLst>
+              <a:ext uri="{FF2B5EF4-FFF2-40B4-BE49-F238E27FC236}">
+                <a16:creationId xmlns:a16="http://schemas.microsoft.com/office/drawing/2014/main" id="{FF9C2873-4E21-274E-AD4E-177694241B66}"/>
+              </a:ext>
+            </a:extLst>
+          </p:cNvPr>
+          <p:cNvSpPr>
+            <a:spLocks noGrp="1"/>
+          </p:cNvSpPr>
+          <p:nvPr>
+            <p:ph type="title"/>
+          </p:nvPr>
+        </p:nvSpPr>
+        <p:spPr/>
+        <p:txBody>
+          <a:bodyPr/>
+          <a:lstStyle/>
+          <a:p>
+            <a:pPr algn="ctr"/>
+            <a:r>
+              <a:rPr lang="en-US" b="1" dirty="0">
+                <a:latin typeface="+mn-lt"/>
+              </a:rPr>
+              <a:t>Analysis Approach</a:t>
+            </a:r>
+          </a:p>
+        </p:txBody>
+      </p:sp>
+      <p:sp>
+        <p:nvSpPr>
+          <p:cNvPr id="4" name="Content Placeholder 3">
+            <a:extLst>
+              <a:ext uri="{FF2B5EF4-FFF2-40B4-BE49-F238E27FC236}">
+                <a16:creationId xmlns:a16="http://schemas.microsoft.com/office/drawing/2014/main" id="{3642C3BA-A3F1-8C4A-BAB1-1F5BC1D696AE}"/>
+              </a:ext>
+            </a:extLst>
+          </p:cNvPr>
+          <p:cNvSpPr>
+            <a:spLocks noGrp="1"/>
+          </p:cNvSpPr>
+          <p:nvPr>
+            <p:ph sz="half" idx="2"/>
+          </p:nvPr>
+        </p:nvSpPr>
+        <p:spPr>
+          <a:xfrm>
+            <a:off x="626301" y="1825625"/>
+            <a:ext cx="10727499" cy="4351338"/>
+          </a:xfrm>
+        </p:spPr>
+        <p:txBody>
+          <a:bodyPr>
+            <a:normAutofit fontScale="92500"/>
+          </a:bodyPr>
+          <a:lstStyle/>
+          <a:p>
+            <a:r>
+              <a:rPr lang="en-US" dirty="0"/>
+              <a:t>Understand </a:t>
+            </a:r>
+            <a:r>
+              <a:rPr lang="en-US" dirty="0" err="1"/>
+              <a:t>mydoh</a:t>
+            </a:r>
+            <a:r>
+              <a:rPr lang="en-US" dirty="0"/>
+              <a:t>: </a:t>
+            </a:r>
+            <a:r>
+              <a:rPr lang="en-US" sz="2400" dirty="0" err="1"/>
+              <a:t>Mydoh</a:t>
+            </a:r>
+            <a:r>
+              <a:rPr lang="en-US" sz="2400" dirty="0"/>
+              <a:t> is a Money App &amp; Smart Card for kids (6-18) and parents. </a:t>
+            </a:r>
+          </a:p>
+          <a:p>
+            <a:r>
+              <a:rPr lang="en-US" dirty="0"/>
+              <a:t>Review data file (Excel)</a:t>
+            </a:r>
+          </a:p>
+          <a:p>
+            <a:r>
+              <a:rPr lang="en-US" dirty="0"/>
+              <a:t>Review data dictionary and data (18 months work)</a:t>
+            </a:r>
+          </a:p>
+          <a:p>
+            <a:r>
+              <a:rPr lang="en-US" dirty="0"/>
+              <a:t>Pick data analysis tool (R and RStudio)</a:t>
+            </a:r>
+          </a:p>
+          <a:p>
+            <a:r>
+              <a:rPr lang="en-US" dirty="0"/>
+              <a:t>Generate data summaries</a:t>
+            </a:r>
+          </a:p>
+          <a:p>
+            <a:r>
+              <a:rPr lang="en-US" dirty="0"/>
+              <a:t>Check for anomalies</a:t>
+            </a:r>
+          </a:p>
+          <a:p>
+            <a:r>
+              <a:rPr lang="en-US" dirty="0"/>
+              <a:t>Generate data visualizations</a:t>
+            </a:r>
+          </a:p>
+          <a:p>
+            <a:r>
+              <a:rPr lang="en-US" dirty="0"/>
+              <a:t>Since no clear business objective is stated will also look at correlations and RFM model</a:t>
+            </a:r>
+          </a:p>
+        </p:txBody>
+      </p:sp>
+    </p:spTree>
+    <p:extLst>
+      <p:ext uri="{BB962C8B-B14F-4D97-AF65-F5344CB8AC3E}">
+        <p14:creationId xmlns:p14="http://schemas.microsoft.com/office/powerpoint/2010/main" val="3068981138"/>
+      </p:ext>
+    </p:extLst>
+  </p:cSld>
+  <p:clrMapOvr>
+    <a:masterClrMapping/>
+  </p:clrMapOvr>
+</p:sld>
+</file>
+
+<file path=ppt/slides/slide3.xml><?xml version="1.0" encoding="utf-8"?>
+<p:sld xmlns:a="http://schemas.openxmlformats.org/drawingml/2006/main" xmlns:r="http://schemas.openxmlformats.org/officeDocument/2006/relationships" xmlns:p="http://schemas.openxmlformats.org/presentationml/2006/main">
+  <p:cSld>
+    <p:spTree>
+      <p:nvGrpSpPr>
+        <p:cNvPr id="1" name=""/>
+        <p:cNvGrpSpPr/>
+        <p:nvPr/>
+      </p:nvGrpSpPr>
+      <p:grpSpPr>
+        <a:xfrm>
+          <a:off x="0" y="0"/>
+          <a:ext cx="0" cy="0"/>
+          <a:chOff x="0" y="0"/>
+          <a:chExt cx="0" cy="0"/>
+        </a:xfrm>
+      </p:grpSpPr>
+      <p:sp>
+        <p:nvSpPr>
+          <p:cNvPr id="2" name="Title 1">
+            <a:extLst>
+              <a:ext uri="{FF2B5EF4-FFF2-40B4-BE49-F238E27FC236}">
+                <a16:creationId xmlns:a16="http://schemas.microsoft.com/office/drawing/2014/main" id="{0AF28A3A-D80C-6647-A765-CDB78055CDB0}"/>
+              </a:ext>
+            </a:extLst>
+          </p:cNvPr>
+          <p:cNvSpPr>
+            <a:spLocks noGrp="1"/>
+          </p:cNvSpPr>
+          <p:nvPr>
+            <p:ph type="title"/>
+          </p:nvPr>
+        </p:nvSpPr>
+        <p:spPr/>
+        <p:txBody>
+          <a:bodyPr/>
+          <a:lstStyle/>
+          <a:p>
+            <a:pPr algn="ctr"/>
+            <a:r>
+              <a:rPr lang="en-US" b="1" dirty="0">
+                <a:latin typeface="+mn-lt"/>
+              </a:rPr>
+              <a:t>Overall Insights (YTD)</a:t>
+            </a:r>
+          </a:p>
+        </p:txBody>
+      </p:sp>
+      <p:sp>
+        <p:nvSpPr>
+          <p:cNvPr id="3" name="Content Placeholder 2">
+            <a:extLst>
+              <a:ext uri="{FF2B5EF4-FFF2-40B4-BE49-F238E27FC236}">
+                <a16:creationId xmlns:a16="http://schemas.microsoft.com/office/drawing/2014/main" id="{D781FDB7-E760-D848-B4D6-6A1816E1F314}"/>
+              </a:ext>
+            </a:extLst>
+          </p:cNvPr>
+          <p:cNvSpPr>
+            <a:spLocks noGrp="1"/>
+          </p:cNvSpPr>
+          <p:nvPr>
+            <p:ph idx="1"/>
+          </p:nvPr>
+        </p:nvSpPr>
+        <p:spPr>
+          <a:xfrm>
+            <a:off x="0" y="1918026"/>
+            <a:ext cx="12192000" cy="2245334"/>
+          </a:xfrm>
+        </p:spPr>
+        <p:txBody>
+          <a:bodyPr>
+            <a:normAutofit/>
+          </a:bodyPr>
+          <a:lstStyle/>
+          <a:p>
+            <a:pPr marL="0" indent="0" algn="ctr">
+              <a:buNone/>
+            </a:pPr>
+            <a:r>
+              <a:rPr lang="en-US" sz="3600" b="1" dirty="0"/>
+              <a:t>Parent</a:t>
+            </a:r>
+          </a:p>
+          <a:p>
+            <a:pPr marL="0" indent="0" algn="ctr">
+              <a:buNone/>
+            </a:pPr>
+            <a:endParaRPr lang="en-US" sz="3600" b="1" dirty="0"/>
+          </a:p>
+        </p:txBody>
+      </p:sp>
+      <p:sp>
+        <p:nvSpPr>
+          <p:cNvPr id="4" name="Content Placeholder 2">
+            <a:extLst>
+              <a:ext uri="{FF2B5EF4-FFF2-40B4-BE49-F238E27FC236}">
+                <a16:creationId xmlns:a16="http://schemas.microsoft.com/office/drawing/2014/main" id="{7A3ADD9E-C194-1E40-A995-EE1897B99916}"/>
+              </a:ext>
+            </a:extLst>
+          </p:cNvPr>
+          <p:cNvSpPr txBox="1">
+            <a:spLocks/>
+          </p:cNvSpPr>
+          <p:nvPr/>
+        </p:nvSpPr>
+        <p:spPr>
+          <a:xfrm>
+            <a:off x="0" y="4361724"/>
+            <a:ext cx="12192000" cy="2496275"/>
+          </a:xfrm>
+          <a:prstGeom prst="rect">
+            <a:avLst/>
+          </a:prstGeom>
+        </p:spPr>
+        <p:txBody>
+          <a:bodyPr vert="horz" lIns="91440" tIns="45720" rIns="91440" bIns="45720" rtlCol="0">
+            <a:normAutofit/>
+          </a:bodyPr>
+          <a:lstStyle>
+            <a:lvl1pPr marL="228600" indent="-228600" algn="l" defTabSz="914400" rtl="0" eaLnBrk="1" latinLnBrk="0" hangingPunct="1">
+              <a:lnSpc>
+                <a:spcPct val="90000"/>
+              </a:lnSpc>
+              <a:spcBef>
+                <a:spcPts val="1000"/>
+              </a:spcBef>
+              <a:buFont typeface="Arial" panose="020B0604020202020204" pitchFamily="34" charset="0"/>
+              <a:buChar char="•"/>
+              <a:defRPr sz="2800" kern="1200">
+                <a:solidFill>
+                  <a:schemeClr val="tx1"/>
+                </a:solidFill>
+                <a:latin typeface="+mn-lt"/>
+                <a:ea typeface="+mn-ea"/>
+                <a:cs typeface="+mn-cs"/>
+              </a:defRPr>
+            </a:lvl1pPr>
+            <a:lvl2pPr marL="685800" indent="-228600" algn="l" defTabSz="914400" rtl="0" eaLnBrk="1" latinLnBrk="0" hangingPunct="1">
+              <a:lnSpc>
+                <a:spcPct val="90000"/>
+              </a:lnSpc>
+              <a:spcBef>
+                <a:spcPts val="500"/>
+              </a:spcBef>
+              <a:buFont typeface="Arial" panose="020B0604020202020204" pitchFamily="34" charset="0"/>
+              <a:buChar char="•"/>
+              <a:defRPr sz="2400" kern="1200">
+                <a:solidFill>
+                  <a:schemeClr val="tx1"/>
+                </a:solidFill>
+                <a:latin typeface="+mn-lt"/>
+                <a:ea typeface="+mn-ea"/>
+                <a:cs typeface="+mn-cs"/>
+              </a:defRPr>
+            </a:lvl2pPr>
+            <a:lvl3pPr marL="1143000" indent="-228600" algn="l" defTabSz="914400" rtl="0" eaLnBrk="1" latinLnBrk="0" hangingPunct="1">
+              <a:lnSpc>
+                <a:spcPct val="90000"/>
+              </a:lnSpc>
+              <a:spcBef>
+                <a:spcPts val="500"/>
+              </a:spcBef>
+              <a:buFont typeface="Arial" panose="020B0604020202020204" pitchFamily="34" charset="0"/>
+              <a:buChar char="•"/>
+              <a:defRPr sz="2000" kern="1200">
+                <a:solidFill>
+                  <a:schemeClr val="tx1"/>
+                </a:solidFill>
+                <a:latin typeface="+mn-lt"/>
+                <a:ea typeface="+mn-ea"/>
+                <a:cs typeface="+mn-cs"/>
+              </a:defRPr>
+            </a:lvl3pPr>
+            <a:lvl4pPr marL="1600200" indent="-228600" algn="l" defTabSz="914400" rtl="0" eaLnBrk="1" latinLnBrk="0" hangingPunct="1">
+              <a:lnSpc>
+                <a:spcPct val="90000"/>
+              </a:lnSpc>
+              <a:spcBef>
+                <a:spcPts val="500"/>
+              </a:spcBef>
+              <a:buFont typeface="Arial" panose="020B0604020202020204" pitchFamily="34" charset="0"/>
+              <a:buChar char="•"/>
+              <a:defRPr sz="1800" kern="1200">
+                <a:solidFill>
+                  <a:schemeClr val="tx1"/>
+                </a:solidFill>
+                <a:latin typeface="+mn-lt"/>
+                <a:ea typeface="+mn-ea"/>
+                <a:cs typeface="+mn-cs"/>
+              </a:defRPr>
+            </a:lvl4pPr>
+            <a:lvl5pPr marL="2057400" indent="-228600" algn="l" defTabSz="914400" rtl="0" eaLnBrk="1" latinLnBrk="0" hangingPunct="1">
+              <a:lnSpc>
+                <a:spcPct val="90000"/>
+              </a:lnSpc>
+              <a:spcBef>
+                <a:spcPts val="500"/>
+              </a:spcBef>
+              <a:buFont typeface="Arial" panose="020B0604020202020204" pitchFamily="34" charset="0"/>
+              <a:buChar char="•"/>
+              <a:defRPr sz="1800" kern="1200">
+                <a:solidFill>
+                  <a:schemeClr val="tx1"/>
+                </a:solidFill>
+                <a:latin typeface="+mn-lt"/>
+                <a:ea typeface="+mn-ea"/>
+                <a:cs typeface="+mn-cs"/>
+              </a:defRPr>
+            </a:lvl5pPr>
+            <a:lvl6pPr marL="2514600" indent="-228600" algn="l" defTabSz="914400" rtl="0" eaLnBrk="1" latinLnBrk="0" hangingPunct="1">
+              <a:lnSpc>
+                <a:spcPct val="90000"/>
+              </a:lnSpc>
+              <a:spcBef>
+                <a:spcPts val="500"/>
+              </a:spcBef>
+              <a:buFont typeface="Arial" panose="020B0604020202020204" pitchFamily="34" charset="0"/>
+              <a:buChar char="•"/>
+              <a:defRPr sz="1800" kern="1200">
+                <a:solidFill>
+                  <a:schemeClr val="tx1"/>
+                </a:solidFill>
+                <a:latin typeface="+mn-lt"/>
+                <a:ea typeface="+mn-ea"/>
+                <a:cs typeface="+mn-cs"/>
+              </a:defRPr>
+            </a:lvl6pPr>
+            <a:lvl7pPr marL="2971800" indent="-228600" algn="l" defTabSz="914400" rtl="0" eaLnBrk="1" latinLnBrk="0" hangingPunct="1">
+              <a:lnSpc>
+                <a:spcPct val="90000"/>
+              </a:lnSpc>
+              <a:spcBef>
+                <a:spcPts val="500"/>
+              </a:spcBef>
+              <a:buFont typeface="Arial" panose="020B0604020202020204" pitchFamily="34" charset="0"/>
+              <a:buChar char="•"/>
+              <a:defRPr sz="1800" kern="1200">
+                <a:solidFill>
+                  <a:schemeClr val="tx1"/>
+                </a:solidFill>
+                <a:latin typeface="+mn-lt"/>
+                <a:ea typeface="+mn-ea"/>
+                <a:cs typeface="+mn-cs"/>
+              </a:defRPr>
+            </a:lvl7pPr>
+            <a:lvl8pPr marL="3429000" indent="-228600" algn="l" defTabSz="914400" rtl="0" eaLnBrk="1" latinLnBrk="0" hangingPunct="1">
+              <a:lnSpc>
+                <a:spcPct val="90000"/>
+              </a:lnSpc>
+              <a:spcBef>
+                <a:spcPts val="500"/>
+              </a:spcBef>
+              <a:buFont typeface="Arial" panose="020B0604020202020204" pitchFamily="34" charset="0"/>
+              <a:buChar char="•"/>
+              <a:defRPr sz="1800" kern="1200">
+                <a:solidFill>
+                  <a:schemeClr val="tx1"/>
+                </a:solidFill>
+                <a:latin typeface="+mn-lt"/>
+                <a:ea typeface="+mn-ea"/>
+                <a:cs typeface="+mn-cs"/>
+              </a:defRPr>
+            </a:lvl8pPr>
+            <a:lvl9pPr marL="3886200" indent="-228600" algn="l" defTabSz="914400" rtl="0" eaLnBrk="1" latinLnBrk="0" hangingPunct="1">
+              <a:lnSpc>
+                <a:spcPct val="90000"/>
+              </a:lnSpc>
+              <a:spcBef>
+                <a:spcPts val="500"/>
+              </a:spcBef>
+              <a:buFont typeface="Arial" panose="020B0604020202020204" pitchFamily="34" charset="0"/>
+              <a:buChar char="•"/>
+              <a:defRPr sz="1800" kern="1200">
+                <a:solidFill>
+                  <a:schemeClr val="tx1"/>
+                </a:solidFill>
+                <a:latin typeface="+mn-lt"/>
+                <a:ea typeface="+mn-ea"/>
+                <a:cs typeface="+mn-cs"/>
+              </a:defRPr>
+            </a:lvl9pPr>
+          </a:lstStyle>
+          <a:p>
+            <a:pPr marL="0" indent="0" algn="ctr">
+              <a:buNone/>
+            </a:pPr>
+            <a:r>
+              <a:rPr lang="en-US" sz="3600" b="1" dirty="0"/>
+              <a:t>Child</a:t>
+            </a:r>
+          </a:p>
+          <a:p>
+            <a:pPr marL="0" indent="0" algn="ctr">
+              <a:buNone/>
+            </a:pPr>
+            <a:endParaRPr lang="en-US" sz="3600" b="1" dirty="0"/>
+          </a:p>
+        </p:txBody>
+      </p:sp>
+      <p:sp>
+        <p:nvSpPr>
+          <p:cNvPr id="5" name="Rectangle 4">
+            <a:extLst>
+              <a:ext uri="{FF2B5EF4-FFF2-40B4-BE49-F238E27FC236}">
+                <a16:creationId xmlns:a16="http://schemas.microsoft.com/office/drawing/2014/main" id="{CBF4BED3-DAAF-AB49-B289-06F698110F46}"/>
+              </a:ext>
+            </a:extLst>
+          </p:cNvPr>
+          <p:cNvSpPr/>
+          <p:nvPr/>
+        </p:nvSpPr>
+        <p:spPr>
+          <a:xfrm>
+            <a:off x="457200" y="2709221"/>
+            <a:ext cx="1415441" cy="651353"/>
+          </a:xfrm>
+          <a:prstGeom prst="rect">
+            <a:avLst/>
+          </a:prstGeom>
+          <a:noFill/>
+        </p:spPr>
+        <p:style>
+          <a:lnRef idx="2">
+            <a:schemeClr val="accent1">
+              <a:shade val="50000"/>
+            </a:schemeClr>
+          </a:lnRef>
+          <a:fillRef idx="1">
+            <a:schemeClr val="accent1"/>
+          </a:fillRef>
+          <a:effectRef idx="0">
+            <a:schemeClr val="accent1"/>
+          </a:effectRef>
+          <a:fontRef idx="minor">
+            <a:schemeClr val="lt1"/>
+          </a:fontRef>
+        </p:style>
+        <p:txBody>
+          <a:bodyPr rtlCol="0" anchor="ctr"/>
+          <a:lstStyle/>
+          <a:p>
+            <a:pPr algn="ctr"/>
+            <a:endParaRPr lang="en-US"/>
+          </a:p>
+        </p:txBody>
+      </p:sp>
+      <p:sp>
+        <p:nvSpPr>
+          <p:cNvPr id="7" name="Rectangle 6">
+            <a:extLst>
+              <a:ext uri="{FF2B5EF4-FFF2-40B4-BE49-F238E27FC236}">
+                <a16:creationId xmlns:a16="http://schemas.microsoft.com/office/drawing/2014/main" id="{2A77CEB1-FF3F-D148-962B-6A347B446E61}"/>
+              </a:ext>
+            </a:extLst>
+          </p:cNvPr>
+          <p:cNvSpPr/>
+          <p:nvPr/>
+        </p:nvSpPr>
+        <p:spPr>
+          <a:xfrm>
+            <a:off x="2335062" y="2709220"/>
+            <a:ext cx="1415441" cy="651353"/>
+          </a:xfrm>
+          <a:prstGeom prst="rect">
+            <a:avLst/>
+          </a:prstGeom>
+          <a:noFill/>
+        </p:spPr>
+        <p:style>
+          <a:lnRef idx="2">
+            <a:schemeClr val="accent1">
+              <a:shade val="50000"/>
+            </a:schemeClr>
+          </a:lnRef>
+          <a:fillRef idx="1">
+            <a:schemeClr val="accent1"/>
+          </a:fillRef>
+          <a:effectRef idx="0">
+            <a:schemeClr val="accent1"/>
+          </a:effectRef>
+          <a:fontRef idx="minor">
+            <a:schemeClr val="lt1"/>
+          </a:fontRef>
+        </p:style>
+        <p:txBody>
+          <a:bodyPr rtlCol="0" anchor="ctr"/>
+          <a:lstStyle/>
+          <a:p>
+            <a:pPr algn="ctr"/>
+            <a:endParaRPr lang="en-US"/>
+          </a:p>
+        </p:txBody>
+      </p:sp>
+      <p:sp>
+        <p:nvSpPr>
+          <p:cNvPr id="8" name="Rectangle 7">
+            <a:extLst>
+              <a:ext uri="{FF2B5EF4-FFF2-40B4-BE49-F238E27FC236}">
+                <a16:creationId xmlns:a16="http://schemas.microsoft.com/office/drawing/2014/main" id="{7B9EFB06-9519-9E4E-B778-9699B34B61F7}"/>
+              </a:ext>
+            </a:extLst>
+          </p:cNvPr>
+          <p:cNvSpPr/>
+          <p:nvPr/>
+        </p:nvSpPr>
+        <p:spPr>
+          <a:xfrm>
+            <a:off x="4212924" y="2709219"/>
+            <a:ext cx="1415441" cy="651353"/>
+          </a:xfrm>
+          <a:prstGeom prst="rect">
+            <a:avLst/>
+          </a:prstGeom>
+          <a:noFill/>
+        </p:spPr>
+        <p:style>
+          <a:lnRef idx="2">
+            <a:schemeClr val="accent1">
+              <a:shade val="50000"/>
+            </a:schemeClr>
+          </a:lnRef>
+          <a:fillRef idx="1">
+            <a:schemeClr val="accent1"/>
+          </a:fillRef>
+          <a:effectRef idx="0">
+            <a:schemeClr val="accent1"/>
+          </a:effectRef>
+          <a:fontRef idx="minor">
+            <a:schemeClr val="lt1"/>
+          </a:fontRef>
+        </p:style>
+        <p:txBody>
+          <a:bodyPr rtlCol="0" anchor="ctr"/>
+          <a:lstStyle/>
+          <a:p>
+            <a:pPr algn="ctr"/>
+            <a:endParaRPr lang="en-US"/>
+          </a:p>
+        </p:txBody>
+      </p:sp>
+      <p:sp>
+        <p:nvSpPr>
+          <p:cNvPr id="9" name="Rectangle 8">
+            <a:extLst>
+              <a:ext uri="{FF2B5EF4-FFF2-40B4-BE49-F238E27FC236}">
+                <a16:creationId xmlns:a16="http://schemas.microsoft.com/office/drawing/2014/main" id="{BF4BF573-1117-CF4F-9079-DFD747C99556}"/>
+              </a:ext>
+            </a:extLst>
+          </p:cNvPr>
+          <p:cNvSpPr/>
+          <p:nvPr/>
+        </p:nvSpPr>
+        <p:spPr>
+          <a:xfrm>
+            <a:off x="6090786" y="2709218"/>
+            <a:ext cx="1415441" cy="651353"/>
+          </a:xfrm>
+          <a:prstGeom prst="rect">
+            <a:avLst/>
+          </a:prstGeom>
+          <a:noFill/>
+        </p:spPr>
+        <p:style>
+          <a:lnRef idx="2">
+            <a:schemeClr val="accent1">
+              <a:shade val="50000"/>
+            </a:schemeClr>
+          </a:lnRef>
+          <a:fillRef idx="1">
+            <a:schemeClr val="accent1"/>
+          </a:fillRef>
+          <a:effectRef idx="0">
+            <a:schemeClr val="accent1"/>
+          </a:effectRef>
+          <a:fontRef idx="minor">
+            <a:schemeClr val="lt1"/>
+          </a:fontRef>
+        </p:style>
+        <p:txBody>
+          <a:bodyPr rtlCol="0" anchor="ctr"/>
+          <a:lstStyle/>
+          <a:p>
+            <a:pPr algn="ctr"/>
+            <a:endParaRPr lang="en-US"/>
+          </a:p>
+        </p:txBody>
+      </p:sp>
+      <p:sp>
+        <p:nvSpPr>
+          <p:cNvPr id="10" name="Rectangle 9">
+            <a:extLst>
+              <a:ext uri="{FF2B5EF4-FFF2-40B4-BE49-F238E27FC236}">
+                <a16:creationId xmlns:a16="http://schemas.microsoft.com/office/drawing/2014/main" id="{D6341DEC-DBC0-F446-B222-8B220C458B06}"/>
+              </a:ext>
+            </a:extLst>
+          </p:cNvPr>
+          <p:cNvSpPr/>
+          <p:nvPr/>
+        </p:nvSpPr>
+        <p:spPr>
+          <a:xfrm>
+            <a:off x="7968648" y="2717677"/>
+            <a:ext cx="1415441" cy="651353"/>
+          </a:xfrm>
+          <a:prstGeom prst="rect">
+            <a:avLst/>
+          </a:prstGeom>
+          <a:noFill/>
+        </p:spPr>
+        <p:style>
+          <a:lnRef idx="2">
+            <a:schemeClr val="accent1">
+              <a:shade val="50000"/>
+            </a:schemeClr>
+          </a:lnRef>
+          <a:fillRef idx="1">
+            <a:schemeClr val="accent1"/>
+          </a:fillRef>
+          <a:effectRef idx="0">
+            <a:schemeClr val="accent1"/>
+          </a:effectRef>
+          <a:fontRef idx="minor">
+            <a:schemeClr val="lt1"/>
+          </a:fontRef>
+        </p:style>
+        <p:txBody>
+          <a:bodyPr rtlCol="0" anchor="ctr"/>
+          <a:lstStyle/>
+          <a:p>
+            <a:pPr algn="ctr"/>
+            <a:endParaRPr lang="en-US"/>
+          </a:p>
+        </p:txBody>
+      </p:sp>
+      <p:sp>
+        <p:nvSpPr>
+          <p:cNvPr id="11" name="Rectangle 10">
+            <a:extLst>
+              <a:ext uri="{FF2B5EF4-FFF2-40B4-BE49-F238E27FC236}">
+                <a16:creationId xmlns:a16="http://schemas.microsoft.com/office/drawing/2014/main" id="{1C0C77D5-5939-9947-A5B6-841081C22A79}"/>
+              </a:ext>
+            </a:extLst>
+          </p:cNvPr>
+          <p:cNvSpPr/>
+          <p:nvPr/>
+        </p:nvSpPr>
+        <p:spPr>
+          <a:xfrm>
+            <a:off x="9846510" y="2706087"/>
+            <a:ext cx="1415441" cy="651353"/>
+          </a:xfrm>
+          <a:prstGeom prst="rect">
+            <a:avLst/>
+          </a:prstGeom>
+          <a:noFill/>
+        </p:spPr>
+        <p:style>
+          <a:lnRef idx="2">
+            <a:schemeClr val="accent1">
+              <a:shade val="50000"/>
+            </a:schemeClr>
+          </a:lnRef>
+          <a:fillRef idx="1">
+            <a:schemeClr val="accent1"/>
+          </a:fillRef>
+          <a:effectRef idx="0">
+            <a:schemeClr val="accent1"/>
+          </a:effectRef>
+          <a:fontRef idx="minor">
+            <a:schemeClr val="lt1"/>
+          </a:fontRef>
+        </p:style>
+        <p:txBody>
+          <a:bodyPr rtlCol="0" anchor="ctr"/>
+          <a:lstStyle/>
+          <a:p>
+            <a:pPr algn="ctr"/>
+            <a:endParaRPr lang="en-US"/>
+          </a:p>
+        </p:txBody>
+      </p:sp>
+      <p:sp>
+        <p:nvSpPr>
+          <p:cNvPr id="12" name="Rectangle 11">
+            <a:extLst>
+              <a:ext uri="{FF2B5EF4-FFF2-40B4-BE49-F238E27FC236}">
+                <a16:creationId xmlns:a16="http://schemas.microsoft.com/office/drawing/2014/main" id="{7005252D-3AAE-E144-9F5B-DF86EFE8EF30}"/>
+              </a:ext>
+            </a:extLst>
+          </p:cNvPr>
+          <p:cNvSpPr/>
+          <p:nvPr/>
+        </p:nvSpPr>
+        <p:spPr>
+          <a:xfrm>
+            <a:off x="560531" y="5056666"/>
+            <a:ext cx="1415441" cy="651353"/>
+          </a:xfrm>
+          <a:prstGeom prst="rect">
+            <a:avLst/>
+          </a:prstGeom>
+          <a:noFill/>
+        </p:spPr>
+        <p:style>
+          <a:lnRef idx="2">
+            <a:schemeClr val="accent1">
+              <a:shade val="50000"/>
+            </a:schemeClr>
+          </a:lnRef>
+          <a:fillRef idx="1">
+            <a:schemeClr val="accent1"/>
+          </a:fillRef>
+          <a:effectRef idx="0">
+            <a:schemeClr val="accent1"/>
+          </a:effectRef>
+          <a:fontRef idx="minor">
+            <a:schemeClr val="lt1"/>
+          </a:fontRef>
+        </p:style>
+        <p:txBody>
+          <a:bodyPr rtlCol="0" anchor="ctr"/>
+          <a:lstStyle/>
+          <a:p>
+            <a:pPr algn="ctr"/>
+            <a:endParaRPr lang="en-US"/>
+          </a:p>
+        </p:txBody>
+      </p:sp>
+      <p:sp>
+        <p:nvSpPr>
+          <p:cNvPr id="13" name="Rectangle 12">
+            <a:extLst>
+              <a:ext uri="{FF2B5EF4-FFF2-40B4-BE49-F238E27FC236}">
+                <a16:creationId xmlns:a16="http://schemas.microsoft.com/office/drawing/2014/main" id="{D03B97EB-586F-564F-8AEF-1D3B5E5AC14C}"/>
+              </a:ext>
+            </a:extLst>
+          </p:cNvPr>
+          <p:cNvSpPr/>
+          <p:nvPr/>
+        </p:nvSpPr>
+        <p:spPr>
+          <a:xfrm>
+            <a:off x="2438393" y="5056665"/>
+            <a:ext cx="1415441" cy="651353"/>
+          </a:xfrm>
+          <a:prstGeom prst="rect">
+            <a:avLst/>
+          </a:prstGeom>
+          <a:noFill/>
+        </p:spPr>
+        <p:style>
+          <a:lnRef idx="2">
+            <a:schemeClr val="accent1">
+              <a:shade val="50000"/>
+            </a:schemeClr>
+          </a:lnRef>
+          <a:fillRef idx="1">
+            <a:schemeClr val="accent1"/>
+          </a:fillRef>
+          <a:effectRef idx="0">
+            <a:schemeClr val="accent1"/>
+          </a:effectRef>
+          <a:fontRef idx="minor">
+            <a:schemeClr val="lt1"/>
+          </a:fontRef>
+        </p:style>
+        <p:txBody>
+          <a:bodyPr rtlCol="0" anchor="ctr"/>
+          <a:lstStyle/>
+          <a:p>
+            <a:pPr algn="ctr"/>
+            <a:endParaRPr lang="en-US"/>
+          </a:p>
+        </p:txBody>
+      </p:sp>
+      <p:sp>
+        <p:nvSpPr>
+          <p:cNvPr id="14" name="Rectangle 13">
+            <a:extLst>
+              <a:ext uri="{FF2B5EF4-FFF2-40B4-BE49-F238E27FC236}">
+                <a16:creationId xmlns:a16="http://schemas.microsoft.com/office/drawing/2014/main" id="{87236BCF-381F-A448-86EF-3C0ADBDF2D81}"/>
+              </a:ext>
+            </a:extLst>
+          </p:cNvPr>
+          <p:cNvSpPr/>
+          <p:nvPr/>
+        </p:nvSpPr>
+        <p:spPr>
+          <a:xfrm>
+            <a:off x="4316255" y="5056664"/>
+            <a:ext cx="1415441" cy="651353"/>
+          </a:xfrm>
+          <a:prstGeom prst="rect">
+            <a:avLst/>
+          </a:prstGeom>
+          <a:noFill/>
+        </p:spPr>
+        <p:style>
+          <a:lnRef idx="2">
+            <a:schemeClr val="accent1">
+              <a:shade val="50000"/>
+            </a:schemeClr>
+          </a:lnRef>
+          <a:fillRef idx="1">
+            <a:schemeClr val="accent1"/>
+          </a:fillRef>
+          <a:effectRef idx="0">
+            <a:schemeClr val="accent1"/>
+          </a:effectRef>
+          <a:fontRef idx="minor">
+            <a:schemeClr val="lt1"/>
+          </a:fontRef>
+        </p:style>
+        <p:txBody>
+          <a:bodyPr rtlCol="0" anchor="ctr"/>
+          <a:lstStyle/>
+          <a:p>
+            <a:pPr algn="ctr"/>
+            <a:endParaRPr lang="en-US"/>
+          </a:p>
+        </p:txBody>
+      </p:sp>
+      <p:sp>
+        <p:nvSpPr>
+          <p:cNvPr id="15" name="Rectangle 14">
+            <a:extLst>
+              <a:ext uri="{FF2B5EF4-FFF2-40B4-BE49-F238E27FC236}">
+                <a16:creationId xmlns:a16="http://schemas.microsoft.com/office/drawing/2014/main" id="{184FC963-4850-C14D-961D-2D9DCFCB4C06}"/>
+              </a:ext>
+            </a:extLst>
+          </p:cNvPr>
+          <p:cNvSpPr/>
+          <p:nvPr/>
+        </p:nvSpPr>
+        <p:spPr>
+          <a:xfrm>
+            <a:off x="6194117" y="5056663"/>
+            <a:ext cx="1415441" cy="651353"/>
+          </a:xfrm>
+          <a:prstGeom prst="rect">
+            <a:avLst/>
+          </a:prstGeom>
+          <a:noFill/>
+        </p:spPr>
+        <p:style>
+          <a:lnRef idx="2">
+            <a:schemeClr val="accent1">
+              <a:shade val="50000"/>
+            </a:schemeClr>
+          </a:lnRef>
+          <a:fillRef idx="1">
+            <a:schemeClr val="accent1"/>
+          </a:fillRef>
+          <a:effectRef idx="0">
+            <a:schemeClr val="accent1"/>
+          </a:effectRef>
+          <a:fontRef idx="minor">
+            <a:schemeClr val="lt1"/>
+          </a:fontRef>
+        </p:style>
+        <p:txBody>
+          <a:bodyPr rtlCol="0" anchor="ctr"/>
+          <a:lstStyle/>
+          <a:p>
+            <a:pPr algn="ctr"/>
+            <a:endParaRPr lang="en-US"/>
+          </a:p>
+        </p:txBody>
+      </p:sp>
+      <p:sp>
+        <p:nvSpPr>
+          <p:cNvPr id="16" name="Rectangle 15">
+            <a:extLst>
+              <a:ext uri="{FF2B5EF4-FFF2-40B4-BE49-F238E27FC236}">
+                <a16:creationId xmlns:a16="http://schemas.microsoft.com/office/drawing/2014/main" id="{2FCFE8F0-C09F-2E4D-A190-BE9C9AA35BE3}"/>
+              </a:ext>
+            </a:extLst>
+          </p:cNvPr>
+          <p:cNvSpPr/>
+          <p:nvPr/>
+        </p:nvSpPr>
+        <p:spPr>
+          <a:xfrm>
+            <a:off x="8071979" y="5065122"/>
+            <a:ext cx="1415441" cy="651353"/>
+          </a:xfrm>
+          <a:prstGeom prst="rect">
+            <a:avLst/>
+          </a:prstGeom>
+          <a:noFill/>
+        </p:spPr>
+        <p:style>
+          <a:lnRef idx="2">
+            <a:schemeClr val="accent1">
+              <a:shade val="50000"/>
+            </a:schemeClr>
+          </a:lnRef>
+          <a:fillRef idx="1">
+            <a:schemeClr val="accent1"/>
+          </a:fillRef>
+          <a:effectRef idx="0">
+            <a:schemeClr val="accent1"/>
+          </a:effectRef>
+          <a:fontRef idx="minor">
+            <a:schemeClr val="lt1"/>
+          </a:fontRef>
+        </p:style>
+        <p:txBody>
+          <a:bodyPr rtlCol="0" anchor="ctr"/>
+          <a:lstStyle/>
+          <a:p>
+            <a:pPr algn="ctr"/>
+            <a:endParaRPr lang="en-US"/>
+          </a:p>
+        </p:txBody>
+      </p:sp>
+      <p:sp>
+        <p:nvSpPr>
+          <p:cNvPr id="17" name="Rectangle 16">
+            <a:extLst>
+              <a:ext uri="{FF2B5EF4-FFF2-40B4-BE49-F238E27FC236}">
+                <a16:creationId xmlns:a16="http://schemas.microsoft.com/office/drawing/2014/main" id="{DF163EE6-53FE-6E4C-9CBD-1E2603E08D13}"/>
+              </a:ext>
+            </a:extLst>
+          </p:cNvPr>
+          <p:cNvSpPr/>
+          <p:nvPr/>
+        </p:nvSpPr>
+        <p:spPr>
+          <a:xfrm>
+            <a:off x="9949841" y="5053532"/>
+            <a:ext cx="1415441" cy="651353"/>
+          </a:xfrm>
+          <a:prstGeom prst="rect">
+            <a:avLst/>
+          </a:prstGeom>
+          <a:noFill/>
+        </p:spPr>
+        <p:style>
+          <a:lnRef idx="2">
+            <a:schemeClr val="accent1">
+              <a:shade val="50000"/>
+            </a:schemeClr>
+          </a:lnRef>
+          <a:fillRef idx="1">
+            <a:schemeClr val="accent1"/>
+          </a:fillRef>
+          <a:effectRef idx="0">
+            <a:schemeClr val="accent1"/>
+          </a:effectRef>
+          <a:fontRef idx="minor">
+            <a:schemeClr val="lt1"/>
+          </a:fontRef>
+        </p:style>
+        <p:txBody>
+          <a:bodyPr rtlCol="0" anchor="ctr"/>
+          <a:lstStyle/>
+          <a:p>
+            <a:pPr algn="ctr"/>
+            <a:endParaRPr lang="en-US"/>
+          </a:p>
+        </p:txBody>
+      </p:sp>
+      <p:sp>
+        <p:nvSpPr>
+          <p:cNvPr id="18" name="TextBox 17">
+            <a:extLst>
+              <a:ext uri="{FF2B5EF4-FFF2-40B4-BE49-F238E27FC236}">
+                <a16:creationId xmlns:a16="http://schemas.microsoft.com/office/drawing/2014/main" id="{4FD598D8-58E0-1D4A-B6B4-D1196F1634F8}"/>
+              </a:ext>
+            </a:extLst>
+          </p:cNvPr>
+          <p:cNvSpPr txBox="1"/>
+          <p:nvPr/>
+        </p:nvSpPr>
+        <p:spPr>
+          <a:xfrm>
+            <a:off x="457200" y="3438395"/>
+            <a:ext cx="1323592" cy="369332"/>
+          </a:xfrm>
+          <a:prstGeom prst="rect">
+            <a:avLst/>
+          </a:prstGeom>
+          <a:noFill/>
+        </p:spPr>
+        <p:txBody>
+          <a:bodyPr wrap="square" rtlCol="0">
+            <a:spAutoFit/>
+          </a:bodyPr>
+          <a:lstStyle/>
+          <a:p>
+            <a:pPr algn="ctr"/>
+            <a:r>
+              <a:rPr lang="en-US" b="1" dirty="0"/>
+              <a:t>Logins</a:t>
+            </a:r>
+          </a:p>
+        </p:txBody>
+      </p:sp>
+      <p:sp>
+        <p:nvSpPr>
+          <p:cNvPr id="19" name="TextBox 18">
+            <a:extLst>
+              <a:ext uri="{FF2B5EF4-FFF2-40B4-BE49-F238E27FC236}">
+                <a16:creationId xmlns:a16="http://schemas.microsoft.com/office/drawing/2014/main" id="{DEAB7DFB-A584-3644-8BF7-88A0C9323291}"/>
+              </a:ext>
+            </a:extLst>
+          </p:cNvPr>
+          <p:cNvSpPr txBox="1"/>
+          <p:nvPr/>
+        </p:nvSpPr>
+        <p:spPr>
+          <a:xfrm>
+            <a:off x="2302717" y="3453960"/>
+            <a:ext cx="1447785" cy="369332"/>
+          </a:xfrm>
+          <a:prstGeom prst="rect">
+            <a:avLst/>
+          </a:prstGeom>
+          <a:noFill/>
+        </p:spPr>
+        <p:txBody>
+          <a:bodyPr wrap="square" rtlCol="0">
+            <a:spAutoFit/>
+          </a:bodyPr>
+          <a:lstStyle/>
+          <a:p>
+            <a:pPr algn="ctr"/>
+            <a:r>
+              <a:rPr lang="en-US" b="1" dirty="0"/>
+              <a:t>Deposits</a:t>
+            </a:r>
+          </a:p>
+        </p:txBody>
+      </p:sp>
+      <p:sp>
+        <p:nvSpPr>
+          <p:cNvPr id="20" name="TextBox 19">
+            <a:extLst>
+              <a:ext uri="{FF2B5EF4-FFF2-40B4-BE49-F238E27FC236}">
+                <a16:creationId xmlns:a16="http://schemas.microsoft.com/office/drawing/2014/main" id="{998C1B1C-7E4E-8047-BDC7-6B44E6C3BED0}"/>
+              </a:ext>
+            </a:extLst>
+          </p:cNvPr>
+          <p:cNvSpPr txBox="1"/>
+          <p:nvPr/>
+        </p:nvSpPr>
+        <p:spPr>
+          <a:xfrm>
+            <a:off x="4234859" y="3438395"/>
+            <a:ext cx="1393505" cy="646331"/>
+          </a:xfrm>
+          <a:prstGeom prst="rect">
+            <a:avLst/>
+          </a:prstGeom>
+          <a:noFill/>
+        </p:spPr>
+        <p:txBody>
+          <a:bodyPr wrap="square" rtlCol="0">
+            <a:spAutoFit/>
+          </a:bodyPr>
+          <a:lstStyle/>
+          <a:p>
+            <a:pPr algn="ctr"/>
+            <a:r>
+              <a:rPr lang="en-US" b="1" dirty="0"/>
+              <a:t>Deposit Amount</a:t>
+            </a:r>
+          </a:p>
+        </p:txBody>
+      </p:sp>
+      <p:sp>
+        <p:nvSpPr>
+          <p:cNvPr id="21" name="TextBox 20">
+            <a:extLst>
+              <a:ext uri="{FF2B5EF4-FFF2-40B4-BE49-F238E27FC236}">
+                <a16:creationId xmlns:a16="http://schemas.microsoft.com/office/drawing/2014/main" id="{724E6C60-B3E3-A849-9777-7099F3034AB3}"/>
+              </a:ext>
+            </a:extLst>
+          </p:cNvPr>
+          <p:cNvSpPr txBox="1"/>
+          <p:nvPr/>
+        </p:nvSpPr>
+        <p:spPr>
+          <a:xfrm>
+            <a:off x="6136710" y="3475480"/>
+            <a:ext cx="1323592" cy="369332"/>
+          </a:xfrm>
+          <a:prstGeom prst="rect">
+            <a:avLst/>
+          </a:prstGeom>
+          <a:noFill/>
+        </p:spPr>
+        <p:txBody>
+          <a:bodyPr wrap="square" rtlCol="0">
+            <a:spAutoFit/>
+          </a:bodyPr>
+          <a:lstStyle/>
+          <a:p>
+            <a:pPr algn="ctr"/>
+            <a:r>
+              <a:rPr lang="en-US" b="1" dirty="0"/>
+              <a:t>Transfers</a:t>
+            </a:r>
+          </a:p>
+        </p:txBody>
+      </p:sp>
+      <p:sp>
+        <p:nvSpPr>
+          <p:cNvPr id="22" name="TextBox 21">
+            <a:extLst>
+              <a:ext uri="{FF2B5EF4-FFF2-40B4-BE49-F238E27FC236}">
+                <a16:creationId xmlns:a16="http://schemas.microsoft.com/office/drawing/2014/main" id="{3CD20534-7BA1-B74E-866B-1F1F29641524}"/>
+              </a:ext>
+            </a:extLst>
+          </p:cNvPr>
+          <p:cNvSpPr txBox="1"/>
+          <p:nvPr/>
+        </p:nvSpPr>
+        <p:spPr>
+          <a:xfrm>
+            <a:off x="8068852" y="3438395"/>
+            <a:ext cx="1323592" cy="646331"/>
+          </a:xfrm>
+          <a:prstGeom prst="rect">
+            <a:avLst/>
+          </a:prstGeom>
+          <a:noFill/>
+        </p:spPr>
+        <p:txBody>
+          <a:bodyPr wrap="square" rtlCol="0">
+            <a:spAutoFit/>
+          </a:bodyPr>
+          <a:lstStyle/>
+          <a:p>
+            <a:pPr algn="ctr"/>
+            <a:r>
+              <a:rPr lang="en-US" b="1" dirty="0"/>
+              <a:t>Transfer Amount</a:t>
+            </a:r>
+          </a:p>
+        </p:txBody>
+      </p:sp>
+      <p:sp>
+        <p:nvSpPr>
+          <p:cNvPr id="23" name="TextBox 22">
+            <a:extLst>
+              <a:ext uri="{FF2B5EF4-FFF2-40B4-BE49-F238E27FC236}">
+                <a16:creationId xmlns:a16="http://schemas.microsoft.com/office/drawing/2014/main" id="{02A05C17-066E-D243-8C74-EDE2A3946297}"/>
+              </a:ext>
+            </a:extLst>
+          </p:cNvPr>
+          <p:cNvSpPr txBox="1"/>
+          <p:nvPr/>
+        </p:nvSpPr>
+        <p:spPr>
+          <a:xfrm>
+            <a:off x="9863222" y="3462685"/>
+            <a:ext cx="1415441" cy="369332"/>
+          </a:xfrm>
+          <a:prstGeom prst="rect">
+            <a:avLst/>
+          </a:prstGeom>
+          <a:noFill/>
+        </p:spPr>
+        <p:txBody>
+          <a:bodyPr wrap="square" rtlCol="0">
+            <a:spAutoFit/>
+          </a:bodyPr>
+          <a:lstStyle/>
+          <a:p>
+            <a:pPr algn="ctr"/>
+            <a:r>
+              <a:rPr lang="en-US" b="1" dirty="0"/>
+              <a:t>Transactions</a:t>
+            </a:r>
+          </a:p>
+        </p:txBody>
+      </p:sp>
+      <p:sp>
+        <p:nvSpPr>
+          <p:cNvPr id="24" name="TextBox 23">
+            <a:extLst>
+              <a:ext uri="{FF2B5EF4-FFF2-40B4-BE49-F238E27FC236}">
+                <a16:creationId xmlns:a16="http://schemas.microsoft.com/office/drawing/2014/main" id="{27887CA8-9829-EF4B-A64A-02073A567070}"/>
+              </a:ext>
+            </a:extLst>
+          </p:cNvPr>
+          <p:cNvSpPr txBox="1"/>
+          <p:nvPr/>
+        </p:nvSpPr>
+        <p:spPr>
+          <a:xfrm>
+            <a:off x="560531" y="5798271"/>
+            <a:ext cx="1323592" cy="369332"/>
+          </a:xfrm>
+          <a:prstGeom prst="rect">
+            <a:avLst/>
+          </a:prstGeom>
+          <a:noFill/>
+        </p:spPr>
+        <p:txBody>
+          <a:bodyPr wrap="square" rtlCol="0">
+            <a:spAutoFit/>
+          </a:bodyPr>
+          <a:lstStyle/>
+          <a:p>
+            <a:pPr algn="ctr"/>
+            <a:r>
+              <a:rPr lang="en-US" b="1" dirty="0"/>
+              <a:t>Logins</a:t>
+            </a:r>
+          </a:p>
+        </p:txBody>
+      </p:sp>
+      <p:sp>
+        <p:nvSpPr>
+          <p:cNvPr id="25" name="TextBox 24">
+            <a:extLst>
+              <a:ext uri="{FF2B5EF4-FFF2-40B4-BE49-F238E27FC236}">
+                <a16:creationId xmlns:a16="http://schemas.microsoft.com/office/drawing/2014/main" id="{2942FD87-22B5-4249-AD1F-9735A34D2111}"/>
+              </a:ext>
+            </a:extLst>
+          </p:cNvPr>
+          <p:cNvSpPr txBox="1"/>
+          <p:nvPr/>
+        </p:nvSpPr>
+        <p:spPr>
+          <a:xfrm>
+            <a:off x="2406049" y="5813836"/>
+            <a:ext cx="1323592" cy="369332"/>
+          </a:xfrm>
+          <a:prstGeom prst="rect">
+            <a:avLst/>
+          </a:prstGeom>
+          <a:noFill/>
+        </p:spPr>
+        <p:txBody>
+          <a:bodyPr wrap="square" rtlCol="0">
+            <a:spAutoFit/>
+          </a:bodyPr>
+          <a:lstStyle/>
+          <a:p>
+            <a:pPr algn="ctr"/>
+            <a:r>
+              <a:rPr lang="en-US" b="1" dirty="0"/>
+              <a:t>Purchases</a:t>
+            </a:r>
+          </a:p>
+        </p:txBody>
+      </p:sp>
+      <p:sp>
+        <p:nvSpPr>
+          <p:cNvPr id="26" name="TextBox 25">
+            <a:extLst>
+              <a:ext uri="{FF2B5EF4-FFF2-40B4-BE49-F238E27FC236}">
+                <a16:creationId xmlns:a16="http://schemas.microsoft.com/office/drawing/2014/main" id="{742C2AD0-1152-254B-A190-F5340850BFCC}"/>
+              </a:ext>
+            </a:extLst>
+          </p:cNvPr>
+          <p:cNvSpPr txBox="1"/>
+          <p:nvPr/>
+        </p:nvSpPr>
+        <p:spPr>
+          <a:xfrm>
+            <a:off x="4338191" y="5798271"/>
+            <a:ext cx="1323592" cy="646331"/>
+          </a:xfrm>
+          <a:prstGeom prst="rect">
+            <a:avLst/>
+          </a:prstGeom>
+          <a:noFill/>
+        </p:spPr>
+        <p:txBody>
+          <a:bodyPr wrap="square" rtlCol="0">
+            <a:spAutoFit/>
+          </a:bodyPr>
+          <a:lstStyle/>
+          <a:p>
+            <a:pPr algn="ctr"/>
+            <a:r>
+              <a:rPr lang="en-US" b="1" dirty="0"/>
+              <a:t>Purchases Amount</a:t>
+            </a:r>
+          </a:p>
+        </p:txBody>
+      </p:sp>
+      <p:sp>
+        <p:nvSpPr>
+          <p:cNvPr id="27" name="TextBox 26">
+            <a:extLst>
+              <a:ext uri="{FF2B5EF4-FFF2-40B4-BE49-F238E27FC236}">
+                <a16:creationId xmlns:a16="http://schemas.microsoft.com/office/drawing/2014/main" id="{B74C2F06-12F6-9F4C-9B67-3CDD5193F56A}"/>
+              </a:ext>
+            </a:extLst>
+          </p:cNvPr>
+          <p:cNvSpPr txBox="1"/>
+          <p:nvPr/>
+        </p:nvSpPr>
+        <p:spPr>
+          <a:xfrm>
+            <a:off x="6240041" y="5835356"/>
+            <a:ext cx="1323592" cy="369332"/>
+          </a:xfrm>
+          <a:prstGeom prst="rect">
+            <a:avLst/>
+          </a:prstGeom>
+          <a:noFill/>
+        </p:spPr>
+        <p:txBody>
+          <a:bodyPr wrap="square" rtlCol="0">
+            <a:spAutoFit/>
+          </a:bodyPr>
+          <a:lstStyle/>
+          <a:p>
+            <a:pPr algn="ctr"/>
+            <a:r>
+              <a:rPr lang="en-US" b="1" dirty="0"/>
+              <a:t>Receives</a:t>
+            </a:r>
+          </a:p>
+        </p:txBody>
+      </p:sp>
+      <p:sp>
+        <p:nvSpPr>
+          <p:cNvPr id="28" name="TextBox 27">
+            <a:extLst>
+              <a:ext uri="{FF2B5EF4-FFF2-40B4-BE49-F238E27FC236}">
+                <a16:creationId xmlns:a16="http://schemas.microsoft.com/office/drawing/2014/main" id="{9B996543-BD8A-414E-9C93-BE0CDD6EF5E3}"/>
+              </a:ext>
+            </a:extLst>
+          </p:cNvPr>
+          <p:cNvSpPr txBox="1"/>
+          <p:nvPr/>
+        </p:nvSpPr>
+        <p:spPr>
+          <a:xfrm>
+            <a:off x="8172183" y="5798271"/>
+            <a:ext cx="1323592" cy="646331"/>
+          </a:xfrm>
+          <a:prstGeom prst="rect">
+            <a:avLst/>
+          </a:prstGeom>
+          <a:noFill/>
+        </p:spPr>
+        <p:txBody>
+          <a:bodyPr wrap="square" rtlCol="0">
+            <a:spAutoFit/>
+          </a:bodyPr>
+          <a:lstStyle/>
+          <a:p>
+            <a:pPr algn="ctr"/>
+            <a:r>
+              <a:rPr lang="en-US" b="1" dirty="0"/>
+              <a:t>Receives Amount</a:t>
+            </a:r>
+          </a:p>
+        </p:txBody>
+      </p:sp>
+      <p:sp>
+        <p:nvSpPr>
+          <p:cNvPr id="29" name="TextBox 28">
+            <a:extLst>
+              <a:ext uri="{FF2B5EF4-FFF2-40B4-BE49-F238E27FC236}">
+                <a16:creationId xmlns:a16="http://schemas.microsoft.com/office/drawing/2014/main" id="{8BEF1633-4061-044C-A42A-C30F575606DA}"/>
+              </a:ext>
+            </a:extLst>
+          </p:cNvPr>
+          <p:cNvSpPr txBox="1"/>
+          <p:nvPr/>
+        </p:nvSpPr>
+        <p:spPr>
+          <a:xfrm>
+            <a:off x="9949841" y="5835356"/>
+            <a:ext cx="1415441" cy="369332"/>
+          </a:xfrm>
+          <a:prstGeom prst="rect">
+            <a:avLst/>
+          </a:prstGeom>
+          <a:noFill/>
+        </p:spPr>
+        <p:txBody>
+          <a:bodyPr wrap="square" rtlCol="0">
+            <a:spAutoFit/>
+          </a:bodyPr>
+          <a:lstStyle/>
+          <a:p>
+            <a:pPr algn="ctr"/>
+            <a:r>
+              <a:rPr lang="en-US" b="1" dirty="0"/>
+              <a:t>Transactions</a:t>
+            </a:r>
+          </a:p>
+        </p:txBody>
+      </p:sp>
+      <p:sp>
+        <p:nvSpPr>
+          <p:cNvPr id="32" name="TextBox 31">
+            <a:extLst>
+              <a:ext uri="{FF2B5EF4-FFF2-40B4-BE49-F238E27FC236}">
+                <a16:creationId xmlns:a16="http://schemas.microsoft.com/office/drawing/2014/main" id="{24D70925-39FA-4046-A7E3-391F9F41A834}"/>
+              </a:ext>
+            </a:extLst>
+          </p:cNvPr>
+          <p:cNvSpPr txBox="1"/>
+          <p:nvPr/>
+        </p:nvSpPr>
+        <p:spPr>
+          <a:xfrm>
+            <a:off x="780039" y="2870699"/>
+            <a:ext cx="769763" cy="369332"/>
+          </a:xfrm>
+          <a:prstGeom prst="rect">
+            <a:avLst/>
+          </a:prstGeom>
+          <a:noFill/>
+        </p:spPr>
+        <p:txBody>
+          <a:bodyPr wrap="none" rtlCol="0">
+            <a:spAutoFit/>
+          </a:bodyPr>
+          <a:lstStyle/>
+          <a:p>
+            <a:r>
+              <a:rPr lang="en-US" b="1" dirty="0"/>
+              <a:t>79165</a:t>
+            </a:r>
+          </a:p>
+        </p:txBody>
+      </p:sp>
+      <p:sp>
+        <p:nvSpPr>
+          <p:cNvPr id="33" name="TextBox 32">
+            <a:extLst>
+              <a:ext uri="{FF2B5EF4-FFF2-40B4-BE49-F238E27FC236}">
+                <a16:creationId xmlns:a16="http://schemas.microsoft.com/office/drawing/2014/main" id="{3686E35D-E5E0-F24A-9690-62944EC199A8}"/>
+              </a:ext>
+            </a:extLst>
+          </p:cNvPr>
+          <p:cNvSpPr txBox="1"/>
+          <p:nvPr/>
+        </p:nvSpPr>
+        <p:spPr>
+          <a:xfrm>
+            <a:off x="4331380" y="2870699"/>
+            <a:ext cx="1178528" cy="369332"/>
+          </a:xfrm>
+          <a:prstGeom prst="rect">
+            <a:avLst/>
+          </a:prstGeom>
+          <a:noFill/>
+        </p:spPr>
+        <p:txBody>
+          <a:bodyPr wrap="none" rtlCol="0">
+            <a:spAutoFit/>
+          </a:bodyPr>
+          <a:lstStyle/>
+          <a:p>
+            <a:r>
+              <a:rPr lang="en-US" b="1" dirty="0"/>
+              <a:t>779167.35</a:t>
+            </a:r>
+          </a:p>
+        </p:txBody>
+      </p:sp>
+      <p:sp>
+        <p:nvSpPr>
+          <p:cNvPr id="34" name="TextBox 33">
+            <a:extLst>
+              <a:ext uri="{FF2B5EF4-FFF2-40B4-BE49-F238E27FC236}">
+                <a16:creationId xmlns:a16="http://schemas.microsoft.com/office/drawing/2014/main" id="{7185A11F-CDAC-6A41-BFCB-3CFDDE937EA5}"/>
+              </a:ext>
+            </a:extLst>
+          </p:cNvPr>
+          <p:cNvSpPr txBox="1"/>
+          <p:nvPr/>
+        </p:nvSpPr>
+        <p:spPr>
+          <a:xfrm>
+            <a:off x="2677251" y="2861818"/>
+            <a:ext cx="769763" cy="369332"/>
+          </a:xfrm>
+          <a:prstGeom prst="rect">
+            <a:avLst/>
+          </a:prstGeom>
+          <a:noFill/>
+        </p:spPr>
+        <p:txBody>
+          <a:bodyPr wrap="none" rtlCol="0">
+            <a:spAutoFit/>
+          </a:bodyPr>
+          <a:lstStyle/>
+          <a:p>
+            <a:r>
+              <a:rPr lang="en-US" b="1" dirty="0"/>
+              <a:t>13251</a:t>
+            </a:r>
+          </a:p>
+        </p:txBody>
+      </p:sp>
+      <p:sp>
+        <p:nvSpPr>
+          <p:cNvPr id="35" name="TextBox 34">
+            <a:extLst>
+              <a:ext uri="{FF2B5EF4-FFF2-40B4-BE49-F238E27FC236}">
+                <a16:creationId xmlns:a16="http://schemas.microsoft.com/office/drawing/2014/main" id="{46B2A73E-AC6A-974A-ABBF-2081E9FBED5E}"/>
+              </a:ext>
+            </a:extLst>
+          </p:cNvPr>
+          <p:cNvSpPr txBox="1"/>
+          <p:nvPr/>
+        </p:nvSpPr>
+        <p:spPr>
+          <a:xfrm>
+            <a:off x="6413625" y="2856027"/>
+            <a:ext cx="769763" cy="369332"/>
+          </a:xfrm>
+          <a:prstGeom prst="rect">
+            <a:avLst/>
+          </a:prstGeom>
+          <a:noFill/>
+        </p:spPr>
+        <p:txBody>
+          <a:bodyPr wrap="none" rtlCol="0">
+            <a:spAutoFit/>
+          </a:bodyPr>
+          <a:lstStyle/>
+          <a:p>
+            <a:r>
+              <a:rPr lang="en-US" b="1" dirty="0"/>
+              <a:t>35444</a:t>
+            </a:r>
+          </a:p>
+        </p:txBody>
+      </p:sp>
+      <p:sp>
+        <p:nvSpPr>
+          <p:cNvPr id="36" name="TextBox 35">
+            <a:extLst>
+              <a:ext uri="{FF2B5EF4-FFF2-40B4-BE49-F238E27FC236}">
+                <a16:creationId xmlns:a16="http://schemas.microsoft.com/office/drawing/2014/main" id="{53E65E3C-5340-5147-B32F-E368F1134121}"/>
+              </a:ext>
+            </a:extLst>
+          </p:cNvPr>
+          <p:cNvSpPr txBox="1"/>
+          <p:nvPr/>
+        </p:nvSpPr>
+        <p:spPr>
+          <a:xfrm>
+            <a:off x="8051838" y="2856027"/>
+            <a:ext cx="1249060" cy="369332"/>
+          </a:xfrm>
+          <a:prstGeom prst="rect">
+            <a:avLst/>
+          </a:prstGeom>
+          <a:noFill/>
+        </p:spPr>
+        <p:txBody>
+          <a:bodyPr wrap="none" rtlCol="0">
+            <a:spAutoFit/>
+          </a:bodyPr>
+          <a:lstStyle/>
+          <a:p>
+            <a:r>
+              <a:rPr lang="en-US" b="1" dirty="0"/>
+              <a:t>-674812.12</a:t>
+            </a:r>
+          </a:p>
+        </p:txBody>
+      </p:sp>
+      <p:sp>
+        <p:nvSpPr>
+          <p:cNvPr id="37" name="TextBox 36">
+            <a:extLst>
+              <a:ext uri="{FF2B5EF4-FFF2-40B4-BE49-F238E27FC236}">
+                <a16:creationId xmlns:a16="http://schemas.microsoft.com/office/drawing/2014/main" id="{C5595ADA-4B59-3940-A54B-06DBDCD1639E}"/>
+              </a:ext>
+            </a:extLst>
+          </p:cNvPr>
+          <p:cNvSpPr txBox="1"/>
+          <p:nvPr/>
+        </p:nvSpPr>
+        <p:spPr>
+          <a:xfrm>
+            <a:off x="9980075" y="2856120"/>
+            <a:ext cx="1181734" cy="369332"/>
+          </a:xfrm>
+          <a:prstGeom prst="rect">
+            <a:avLst/>
+          </a:prstGeom>
+          <a:noFill/>
+        </p:spPr>
+        <p:txBody>
+          <a:bodyPr wrap="none" rtlCol="0">
+            <a:spAutoFit/>
+          </a:bodyPr>
+          <a:lstStyle/>
+          <a:p>
+            <a:r>
+              <a:rPr lang="en-US" b="1" dirty="0"/>
+              <a:t>104355.23</a:t>
+            </a:r>
+          </a:p>
+        </p:txBody>
+      </p:sp>
+      <p:sp>
+        <p:nvSpPr>
+          <p:cNvPr id="38" name="TextBox 37">
+            <a:extLst>
+              <a:ext uri="{FF2B5EF4-FFF2-40B4-BE49-F238E27FC236}">
+                <a16:creationId xmlns:a16="http://schemas.microsoft.com/office/drawing/2014/main" id="{5181A2EC-BCE5-AD44-A1CA-E164470654FA}"/>
+              </a:ext>
+            </a:extLst>
+          </p:cNvPr>
+          <p:cNvSpPr txBox="1"/>
+          <p:nvPr/>
+        </p:nvSpPr>
+        <p:spPr>
+          <a:xfrm>
+            <a:off x="10100135" y="5228003"/>
+            <a:ext cx="1178528" cy="369332"/>
+          </a:xfrm>
+          <a:prstGeom prst="rect">
+            <a:avLst/>
+          </a:prstGeom>
+          <a:noFill/>
+        </p:spPr>
+        <p:txBody>
+          <a:bodyPr wrap="none" rtlCol="0">
+            <a:spAutoFit/>
+          </a:bodyPr>
+          <a:lstStyle/>
+          <a:p>
+            <a:r>
+              <a:rPr lang="en-US" b="1" dirty="0"/>
+              <a:t>169469.70</a:t>
+            </a:r>
+          </a:p>
+        </p:txBody>
+      </p:sp>
+      <p:sp>
+        <p:nvSpPr>
+          <p:cNvPr id="39" name="TextBox 38">
+            <a:extLst>
+              <a:ext uri="{FF2B5EF4-FFF2-40B4-BE49-F238E27FC236}">
+                <a16:creationId xmlns:a16="http://schemas.microsoft.com/office/drawing/2014/main" id="{07D5BEF1-A8EE-C243-86A3-154C5DCE22EB}"/>
+              </a:ext>
+            </a:extLst>
+          </p:cNvPr>
+          <p:cNvSpPr txBox="1"/>
+          <p:nvPr/>
+        </p:nvSpPr>
+        <p:spPr>
+          <a:xfrm>
+            <a:off x="8190435" y="5218911"/>
+            <a:ext cx="1178528" cy="369332"/>
+          </a:xfrm>
+          <a:prstGeom prst="rect">
+            <a:avLst/>
+          </a:prstGeom>
+          <a:noFill/>
+        </p:spPr>
+        <p:txBody>
+          <a:bodyPr wrap="none" rtlCol="0">
+            <a:spAutoFit/>
+          </a:bodyPr>
+          <a:lstStyle/>
+          <a:p>
+            <a:r>
+              <a:rPr lang="en-US" b="1" dirty="0"/>
+              <a:t>686447.70</a:t>
+            </a:r>
+          </a:p>
+        </p:txBody>
+      </p:sp>
+      <p:sp>
+        <p:nvSpPr>
+          <p:cNvPr id="40" name="TextBox 39">
+            <a:extLst>
+              <a:ext uri="{FF2B5EF4-FFF2-40B4-BE49-F238E27FC236}">
+                <a16:creationId xmlns:a16="http://schemas.microsoft.com/office/drawing/2014/main" id="{10C3BDB9-FE66-2F4A-BE16-F11D77610081}"/>
+              </a:ext>
+            </a:extLst>
+          </p:cNvPr>
+          <p:cNvSpPr txBox="1"/>
+          <p:nvPr/>
+        </p:nvSpPr>
+        <p:spPr>
+          <a:xfrm>
+            <a:off x="6516956" y="5218911"/>
+            <a:ext cx="769763" cy="369332"/>
+          </a:xfrm>
+          <a:prstGeom prst="rect">
+            <a:avLst/>
+          </a:prstGeom>
+          <a:noFill/>
+        </p:spPr>
+        <p:txBody>
+          <a:bodyPr wrap="none" rtlCol="0">
+            <a:spAutoFit/>
+          </a:bodyPr>
+          <a:lstStyle/>
+          <a:p>
+            <a:r>
+              <a:rPr lang="en-US" b="1" dirty="0"/>
+              <a:t>35718</a:t>
+            </a:r>
+          </a:p>
+        </p:txBody>
+      </p:sp>
+      <p:sp>
+        <p:nvSpPr>
+          <p:cNvPr id="41" name="TextBox 40">
+            <a:extLst>
+              <a:ext uri="{FF2B5EF4-FFF2-40B4-BE49-F238E27FC236}">
+                <a16:creationId xmlns:a16="http://schemas.microsoft.com/office/drawing/2014/main" id="{28D9BCFF-A695-AC49-88CF-4CB2A18B19AC}"/>
+              </a:ext>
+            </a:extLst>
+          </p:cNvPr>
+          <p:cNvSpPr txBox="1"/>
+          <p:nvPr/>
+        </p:nvSpPr>
+        <p:spPr>
+          <a:xfrm>
+            <a:off x="2699189" y="5212471"/>
+            <a:ext cx="769763" cy="369332"/>
+          </a:xfrm>
+          <a:prstGeom prst="rect">
+            <a:avLst/>
+          </a:prstGeom>
+          <a:noFill/>
+        </p:spPr>
+        <p:txBody>
+          <a:bodyPr wrap="none" rtlCol="0">
+            <a:spAutoFit/>
+          </a:bodyPr>
+          <a:lstStyle/>
+          <a:p>
+            <a:r>
+              <a:rPr lang="en-US" b="1" dirty="0"/>
+              <a:t>38016</a:t>
+            </a:r>
+          </a:p>
+        </p:txBody>
+      </p:sp>
+      <p:sp>
+        <p:nvSpPr>
+          <p:cNvPr id="42" name="TextBox 41">
+            <a:extLst>
+              <a:ext uri="{FF2B5EF4-FFF2-40B4-BE49-F238E27FC236}">
+                <a16:creationId xmlns:a16="http://schemas.microsoft.com/office/drawing/2014/main" id="{E6CABDDC-1A5A-C044-9FAF-A63CCF72109A}"/>
+              </a:ext>
+            </a:extLst>
+          </p:cNvPr>
+          <p:cNvSpPr txBox="1"/>
+          <p:nvPr/>
+        </p:nvSpPr>
+        <p:spPr>
+          <a:xfrm>
+            <a:off x="4465951" y="5218911"/>
+            <a:ext cx="957313" cy="369332"/>
+          </a:xfrm>
+          <a:prstGeom prst="rect">
+            <a:avLst/>
+          </a:prstGeom>
+          <a:noFill/>
+        </p:spPr>
+        <p:txBody>
+          <a:bodyPr wrap="none" rtlCol="0">
+            <a:spAutoFit/>
+          </a:bodyPr>
+          <a:lstStyle/>
+          <a:p>
+            <a:r>
+              <a:rPr lang="en-US" b="1" dirty="0"/>
+              <a:t>-516978</a:t>
+            </a:r>
+          </a:p>
+        </p:txBody>
+      </p:sp>
+      <p:sp>
+        <p:nvSpPr>
+          <p:cNvPr id="43" name="TextBox 42">
+            <a:extLst>
+              <a:ext uri="{FF2B5EF4-FFF2-40B4-BE49-F238E27FC236}">
+                <a16:creationId xmlns:a16="http://schemas.microsoft.com/office/drawing/2014/main" id="{7425C541-A6FA-3B4B-82C3-2B40DFFCEFA9}"/>
+              </a:ext>
+            </a:extLst>
+          </p:cNvPr>
+          <p:cNvSpPr txBox="1"/>
+          <p:nvPr/>
+        </p:nvSpPr>
+        <p:spPr>
+          <a:xfrm>
+            <a:off x="790030" y="5212471"/>
+            <a:ext cx="886781" cy="369332"/>
+          </a:xfrm>
+          <a:prstGeom prst="rect">
+            <a:avLst/>
+          </a:prstGeom>
+          <a:noFill/>
+        </p:spPr>
+        <p:txBody>
+          <a:bodyPr wrap="none" rtlCol="0">
+            <a:spAutoFit/>
+          </a:bodyPr>
+          <a:lstStyle/>
+          <a:p>
+            <a:r>
+              <a:rPr lang="en-US" b="1" dirty="0"/>
+              <a:t>138905</a:t>
+            </a:r>
+          </a:p>
+        </p:txBody>
+      </p:sp>
+    </p:spTree>
+    <p:extLst>
+      <p:ext uri="{BB962C8B-B14F-4D97-AF65-F5344CB8AC3E}">
+        <p14:creationId xmlns:p14="http://schemas.microsoft.com/office/powerpoint/2010/main" val="2839871412"/>
+      </p:ext>
+    </p:extLst>
+  </p:cSld>
+  <p:clrMapOvr>
+    <a:masterClrMapping/>
+  </p:clrMapOvr>
+</p:sld>
+</file>
+
+<file path=ppt/slides/slide4.xml><?xml version="1.0" encoding="utf-8"?>
+<p:sld xmlns:a="http://schemas.openxmlformats.org/drawingml/2006/main" xmlns:r="http://schemas.openxmlformats.org/officeDocument/2006/relationships" xmlns:p="http://schemas.openxmlformats.org/presentationml/2006/main">
+  <p:cSld>
+    <p:spTree>
+      <p:nvGrpSpPr>
+        <p:cNvPr id="1" name=""/>
+        <p:cNvGrpSpPr/>
+        <p:nvPr/>
+      </p:nvGrpSpPr>
+      <p:grpSpPr>
+        <a:xfrm>
+          <a:off x="0" y="0"/>
+          <a:ext cx="0" cy="0"/>
+          <a:chOff x="0" y="0"/>
+          <a:chExt cx="0" cy="0"/>
+        </a:xfrm>
+      </p:grpSpPr>
+      <p:sp>
+        <p:nvSpPr>
+          <p:cNvPr id="2" name="Title 1">
+            <a:extLst>
+              <a:ext uri="{FF2B5EF4-FFF2-40B4-BE49-F238E27FC236}">
+                <a16:creationId xmlns:a16="http://schemas.microsoft.com/office/drawing/2014/main" id="{8D90FE20-0E07-B440-B150-72C79765B0FA}"/>
+              </a:ext>
+            </a:extLst>
+          </p:cNvPr>
+          <p:cNvSpPr>
+            <a:spLocks noGrp="1"/>
+          </p:cNvSpPr>
+          <p:nvPr>
+            <p:ph type="title"/>
+          </p:nvPr>
+        </p:nvSpPr>
+        <p:spPr/>
+        <p:txBody>
+          <a:bodyPr/>
+          <a:lstStyle/>
+          <a:p>
+            <a:pPr algn="ctr"/>
+            <a:r>
+              <a:rPr lang="en-US" b="1" dirty="0">
+                <a:latin typeface="+mn-lt"/>
+              </a:rPr>
+              <a:t>Parent Data Insights</a:t>
+            </a:r>
+          </a:p>
+        </p:txBody>
+      </p:sp>
+      <p:sp>
+        <p:nvSpPr>
+          <p:cNvPr id="4" name="AutoShape 2">
+            <a:extLst>
+              <a:ext uri="{FF2B5EF4-FFF2-40B4-BE49-F238E27FC236}">
+                <a16:creationId xmlns:a16="http://schemas.microsoft.com/office/drawing/2014/main" id="{A9D8A479-4812-EE4D-B67D-02517526D2C6}"/>
+              </a:ext>
+            </a:extLst>
+          </p:cNvPr>
+          <p:cNvSpPr>
+            <a:spLocks noGrp="1" noChangeAspect="1" noChangeArrowheads="1"/>
+          </p:cNvSpPr>
+          <p:nvPr>
+            <p:ph idx="1"/>
+          </p:nvPr>
+        </p:nvSpPr>
+        <p:spPr bwMode="auto">
+          <a:prstGeom prst="rect">
+            <a:avLst/>
+          </a:prstGeom>
+          <a:noFill/>
+          <a:extLst>
+            <a:ext uri="{909E8E84-426E-40DD-AFC4-6F175D3DCCD1}">
+              <a14:hiddenFill xmlns:a14="http://schemas.microsoft.com/office/drawing/2010/main">
+                <a:solidFill>
+                  <a:srgbClr val="FFFFFF"/>
+                </a:solidFill>
+              </a14:hiddenFill>
+            </a:ext>
+          </a:extLst>
+        </p:spPr>
+        <p:txBody>
+          <a:bodyPr vert="horz" wrap="square" lIns="91440" tIns="45720" rIns="91440" bIns="45720" numCol="1" anchor="t" anchorCtr="0" compatLnSpc="1">
+            <a:prstTxWarp prst="textNoShape">
+              <a:avLst/>
+            </a:prstTxWarp>
+          </a:bodyPr>
+          <a:lstStyle/>
+          <a:p>
+            <a:endParaRPr lang="en-US" dirty="0"/>
+          </a:p>
+        </p:txBody>
+      </p:sp>
+    </p:spTree>
+    <p:extLst>
+      <p:ext uri="{BB962C8B-B14F-4D97-AF65-F5344CB8AC3E}">
+        <p14:creationId xmlns:p14="http://schemas.microsoft.com/office/powerpoint/2010/main" val="2652006434"/>
+      </p:ext>
+    </p:extLst>
+  </p:cSld>
+  <p:clrMapOvr>
+    <a:masterClrMapping/>
+  </p:clrMapOvr>
+</p:sld>
+</file>
+
+<file path=ppt/slides/slide5.xml><?xml version="1.0" encoding="utf-8"?>
+<p:sld xmlns:a="http://schemas.openxmlformats.org/drawingml/2006/main" xmlns:r="http://schemas.openxmlformats.org/officeDocument/2006/relationships" xmlns:p="http://schemas.openxmlformats.org/presentationml/2006/main">
+  <p:cSld>
+    <p:spTree>
+      <p:nvGrpSpPr>
+        <p:cNvPr id="1" name=""/>
+        <p:cNvGrpSpPr/>
+        <p:nvPr/>
+      </p:nvGrpSpPr>
+      <p:grpSpPr>
+        <a:xfrm>
+          <a:off x="0" y="0"/>
+          <a:ext cx="0" cy="0"/>
+          <a:chOff x="0" y="0"/>
+          <a:chExt cx="0" cy="0"/>
+        </a:xfrm>
+      </p:grpSpPr>
+      <p:sp>
+        <p:nvSpPr>
+          <p:cNvPr id="2" name="Title 1">
+            <a:extLst>
+              <a:ext uri="{FF2B5EF4-FFF2-40B4-BE49-F238E27FC236}">
+                <a16:creationId xmlns:a16="http://schemas.microsoft.com/office/drawing/2014/main" id="{A5DE913D-8653-9444-BAF5-4EC156E8C681}"/>
+              </a:ext>
+            </a:extLst>
+          </p:cNvPr>
+          <p:cNvSpPr>
+            <a:spLocks noGrp="1"/>
+          </p:cNvSpPr>
+          <p:nvPr>
+            <p:ph type="title"/>
+          </p:nvPr>
+        </p:nvSpPr>
+        <p:spPr/>
+        <p:txBody>
+          <a:bodyPr/>
+          <a:lstStyle/>
+          <a:p>
+            <a:pPr algn="ctr"/>
+            <a:r>
+              <a:rPr lang="en-US" b="1" dirty="0">
+                <a:latin typeface="+mn-lt"/>
+              </a:rPr>
+              <a:t>Child Data Insights</a:t>
+            </a:r>
+          </a:p>
+        </p:txBody>
+      </p:sp>
+      <p:sp>
+        <p:nvSpPr>
+          <p:cNvPr id="3" name="Content Placeholder 2">
+            <a:extLst>
+              <a:ext uri="{FF2B5EF4-FFF2-40B4-BE49-F238E27FC236}">
+                <a16:creationId xmlns:a16="http://schemas.microsoft.com/office/drawing/2014/main" id="{F9B68B50-23AC-5544-A295-256B2438BBA2}"/>
+              </a:ext>
+            </a:extLst>
+          </p:cNvPr>
+          <p:cNvSpPr>
+            <a:spLocks noGrp="1"/>
+          </p:cNvSpPr>
+          <p:nvPr>
+            <p:ph idx="1"/>
+          </p:nvPr>
+        </p:nvSpPr>
+        <p:spPr/>
+        <p:txBody>
+          <a:bodyPr/>
+          <a:lstStyle/>
+          <a:p>
+            <a:endParaRPr lang="en-US"/>
+          </a:p>
+        </p:txBody>
+      </p:sp>
+    </p:spTree>
+    <p:extLst>
+      <p:ext uri="{BB962C8B-B14F-4D97-AF65-F5344CB8AC3E}">
+        <p14:creationId xmlns:p14="http://schemas.microsoft.com/office/powerpoint/2010/main" val="3204254738"/>
+      </p:ext>
+    </p:extLst>
+  </p:cSld>
+  <p:clrMapOvr>
+    <a:masterClrMapping/>
+  </p:clrMapOvr>
+</p:sld>
+</file>
+
+<file path=ppt/slides/slide6.xml><?xml version="1.0" encoding="utf-8"?>
+<p:sld xmlns:a="http://schemas.openxmlformats.org/drawingml/2006/main" xmlns:r="http://schemas.openxmlformats.org/officeDocument/2006/relationships" xmlns:p="http://schemas.openxmlformats.org/presentationml/2006/main">
+  <p:cSld>
+    <p:spTree>
+      <p:nvGrpSpPr>
+        <p:cNvPr id="1" name=""/>
+        <p:cNvGrpSpPr/>
+        <p:nvPr/>
+      </p:nvGrpSpPr>
+      <p:grpSpPr>
+        <a:xfrm>
+          <a:off x="0" y="0"/>
+          <a:ext cx="0" cy="0"/>
+          <a:chOff x="0" y="0"/>
+          <a:chExt cx="0" cy="0"/>
+        </a:xfrm>
+      </p:grpSpPr>
+      <p:pic>
+        <p:nvPicPr>
+          <p:cNvPr id="5" name="Content Placeholder 4">
+            <a:extLst>
+              <a:ext uri="{FF2B5EF4-FFF2-40B4-BE49-F238E27FC236}">
+                <a16:creationId xmlns:a16="http://schemas.microsoft.com/office/drawing/2014/main" id="{4C33DBE2-3F5C-1347-B27C-F5CBE7A9D449}"/>
+              </a:ext>
+            </a:extLst>
+          </p:cNvPr>
+          <p:cNvPicPr>
+            <a:picLocks noGrp="1" noChangeAspect="1"/>
+          </p:cNvPicPr>
+          <p:nvPr>
+            <p:ph idx="1"/>
+          </p:nvPr>
+        </p:nvPicPr>
+        <p:blipFill>
+          <a:blip r:embed="rId2">
+            <a:alphaModFix/>
+          </a:blip>
+          <a:stretch>
+            <a:fillRect/>
+          </a:stretch>
+        </p:blipFill>
+        <p:spPr>
+          <a:xfrm>
+            <a:off x="838200" y="1690688"/>
+            <a:ext cx="5446133" cy="4622430"/>
+          </a:xfrm>
+        </p:spPr>
+      </p:pic>
+      <p:sp>
+        <p:nvSpPr>
+          <p:cNvPr id="2" name="Title 1">
+            <a:extLst>
+              <a:ext uri="{FF2B5EF4-FFF2-40B4-BE49-F238E27FC236}">
+                <a16:creationId xmlns:a16="http://schemas.microsoft.com/office/drawing/2014/main" id="{7DD1A05F-2D97-234F-BAA4-D49FB4C3D4EA}"/>
+              </a:ext>
+            </a:extLst>
+          </p:cNvPr>
+          <p:cNvSpPr>
+            <a:spLocks noGrp="1"/>
+          </p:cNvSpPr>
+          <p:nvPr>
+            <p:ph type="title"/>
+          </p:nvPr>
+        </p:nvSpPr>
+        <p:spPr/>
+        <p:txBody>
+          <a:bodyPr/>
+          <a:lstStyle/>
+          <a:p>
+            <a:pPr algn="ctr"/>
+            <a:r>
+              <a:rPr lang="en-US" b="1" dirty="0">
+                <a:latin typeface="+mn-lt"/>
+              </a:rPr>
+              <a:t>Appendix – Child Data Correlation</a:t>
+            </a:r>
+          </a:p>
+        </p:txBody>
+      </p:sp>
+    </p:spTree>
+    <p:extLst>
+      <p:ext uri="{BB962C8B-B14F-4D97-AF65-F5344CB8AC3E}">
+        <p14:creationId xmlns:p14="http://schemas.microsoft.com/office/powerpoint/2010/main" val="1648161488"/>
+      </p:ext>
+    </p:extLst>
+  </p:cSld>
+  <p:clrMapOvr>
+    <a:masterClrMapping/>
+  </p:clrMapOvr>
+</p:sld>
+</file>
+
+<file path=ppt/slides/slide7.xml><?xml version="1.0" encoding="utf-8"?>
+<p:sld xmlns:a="http://schemas.openxmlformats.org/drawingml/2006/main" xmlns:r="http://schemas.openxmlformats.org/officeDocument/2006/relationships" xmlns:p="http://schemas.openxmlformats.org/presentationml/2006/main">
+  <p:cSld>
+    <p:spTree>
+      <p:nvGrpSpPr>
+        <p:cNvPr id="1" name=""/>
+        <p:cNvGrpSpPr/>
+        <p:nvPr/>
+      </p:nvGrpSpPr>
+      <p:grpSpPr>
+        <a:xfrm>
+          <a:off x="0" y="0"/>
+          <a:ext cx="0" cy="0"/>
+          <a:chOff x="0" y="0"/>
+          <a:chExt cx="0" cy="0"/>
+        </a:xfrm>
+      </p:grpSpPr>
+      <p:sp>
+        <p:nvSpPr>
+          <p:cNvPr id="2" name="Title 1">
+            <a:extLst>
+              <a:ext uri="{FF2B5EF4-FFF2-40B4-BE49-F238E27FC236}">
+                <a16:creationId xmlns:a16="http://schemas.microsoft.com/office/drawing/2014/main" id="{7DD1A05F-2D97-234F-BAA4-D49FB4C3D4EA}"/>
+              </a:ext>
+            </a:extLst>
+          </p:cNvPr>
+          <p:cNvSpPr>
+            <a:spLocks noGrp="1"/>
+          </p:cNvSpPr>
+          <p:nvPr>
+            <p:ph type="title"/>
+          </p:nvPr>
+        </p:nvSpPr>
+        <p:spPr/>
+        <p:txBody>
+          <a:bodyPr/>
+          <a:lstStyle/>
+          <a:p>
+            <a:pPr algn="ctr"/>
+            <a:r>
+              <a:rPr lang="en-US" b="1" dirty="0">
+                <a:latin typeface="+mn-lt"/>
+              </a:rPr>
+              <a:t>Appendix – Parent Data Correlation</a:t>
+            </a:r>
+          </a:p>
+        </p:txBody>
+      </p:sp>
+      <p:pic>
+        <p:nvPicPr>
+          <p:cNvPr id="9" name="Content Placeholder 8">
+            <a:extLst>
+              <a:ext uri="{FF2B5EF4-FFF2-40B4-BE49-F238E27FC236}">
+                <a16:creationId xmlns:a16="http://schemas.microsoft.com/office/drawing/2014/main" id="{A4A5CBAF-DADA-E049-942B-46F53674022D}"/>
+              </a:ext>
+            </a:extLst>
+          </p:cNvPr>
+          <p:cNvPicPr>
+            <a:picLocks noGrp="1" noChangeAspect="1"/>
+          </p:cNvPicPr>
+          <p:nvPr>
+            <p:ph idx="1"/>
+          </p:nvPr>
+        </p:nvPicPr>
+        <p:blipFill>
+          <a:blip r:embed="rId2"/>
+          <a:stretch>
+            <a:fillRect/>
+          </a:stretch>
+        </p:blipFill>
+        <p:spPr>
+          <a:xfrm>
+            <a:off x="838200" y="1690688"/>
+            <a:ext cx="5412288" cy="4718556"/>
+          </a:xfrm>
+        </p:spPr>
+      </p:pic>
+    </p:spTree>
+    <p:extLst>
+      <p:ext uri="{BB962C8B-B14F-4D97-AF65-F5344CB8AC3E}">
+        <p14:creationId xmlns:p14="http://schemas.microsoft.com/office/powerpoint/2010/main" val="3725505265"/>
+      </p:ext>
+    </p:extLst>
+  </p:cSld>
+  <p:clrMapOvr>
+    <a:masterClrMapping/>
+  </p:clrMapOvr>
+</p:sld>
+</file>
+
+<file path=ppt/slides/slide8.xml><?xml version="1.0" encoding="utf-8"?>
+<p:sld xmlns:a="http://schemas.openxmlformats.org/drawingml/2006/main" xmlns:r="http://schemas.openxmlformats.org/officeDocument/2006/relationships" xmlns:p="http://schemas.openxmlformats.org/presentationml/2006/main">
+  <p:cSld>
+    <p:spTree>
+      <p:nvGrpSpPr>
+        <p:cNvPr id="1" name=""/>
+        <p:cNvGrpSpPr/>
+        <p:nvPr/>
+      </p:nvGrpSpPr>
+      <p:grpSpPr>
+        <a:xfrm>
+          <a:off x="0" y="0"/>
+          <a:ext cx="0" cy="0"/>
+          <a:chOff x="0" y="0"/>
+          <a:chExt cx="0" cy="0"/>
+        </a:xfrm>
+      </p:grpSpPr>
+      <p:sp>
+        <p:nvSpPr>
+          <p:cNvPr id="2" name="Title 1">
+            <a:extLst>
+              <a:ext uri="{FF2B5EF4-FFF2-40B4-BE49-F238E27FC236}">
+                <a16:creationId xmlns:a16="http://schemas.microsoft.com/office/drawing/2014/main" id="{7DD1A05F-2D97-234F-BAA4-D49FB4C3D4EA}"/>
+              </a:ext>
+            </a:extLst>
+          </p:cNvPr>
+          <p:cNvSpPr>
+            <a:spLocks noGrp="1"/>
+          </p:cNvSpPr>
+          <p:nvPr>
+            <p:ph type="title"/>
+          </p:nvPr>
+        </p:nvSpPr>
+        <p:spPr/>
+        <p:txBody>
+          <a:bodyPr/>
+          <a:lstStyle/>
+          <a:p>
+            <a:pPr algn="ctr"/>
+            <a:r>
+              <a:rPr lang="en-US" b="1" dirty="0">
+                <a:latin typeface="+mn-lt"/>
+              </a:rPr>
+              <a:t>Appendix – Parent RFM Model</a:t>
+            </a:r>
+          </a:p>
+        </p:txBody>
+      </p:sp>
+      <p:sp>
+        <p:nvSpPr>
+          <p:cNvPr id="3" name="Content Placeholder 2">
+            <a:extLst>
+              <a:ext uri="{FF2B5EF4-FFF2-40B4-BE49-F238E27FC236}">
+                <a16:creationId xmlns:a16="http://schemas.microsoft.com/office/drawing/2014/main" id="{7F177213-DE3C-B543-A7F5-B5F4A1E163CF}"/>
+              </a:ext>
+            </a:extLst>
+          </p:cNvPr>
+          <p:cNvSpPr>
+            <a:spLocks noGrp="1"/>
+          </p:cNvSpPr>
+          <p:nvPr>
+            <p:ph idx="1"/>
+          </p:nvPr>
+        </p:nvSpPr>
+        <p:spPr/>
+        <p:txBody>
+          <a:bodyPr/>
+          <a:lstStyle/>
+          <a:p>
+            <a:endParaRPr lang="en-US" dirty="0"/>
+          </a:p>
+        </p:txBody>
+      </p:sp>
+    </p:spTree>
+    <p:extLst>
+      <p:ext uri="{BB962C8B-B14F-4D97-AF65-F5344CB8AC3E}">
+        <p14:creationId xmlns:p14="http://schemas.microsoft.com/office/powerpoint/2010/main" val="2850813584"/>
+      </p:ext>
+    </p:extLst>
+  </p:cSld>
+  <p:clrMapOvr>
+    <a:masterClrMapping/>
+  </p:clrMapOvr>
+</p:sld>
+</file>
+
 <file path=ppt/theme/theme1.xml><?xml version="1.0" encoding="utf-8"?>
 <a:theme xmlns:a="http://schemas.openxmlformats.org/drawingml/2006/main" name="Office Theme">
   <a:themeElements>

--- a/RBC/MyDoh_assignment.pptx
+++ b/RBC/MyDoh_assignment.pptx
@@ -10,9 +10,8 @@
     <p:sldId id="258" r:id="rId4"/>
     <p:sldId id="259" r:id="rId5"/>
     <p:sldId id="260" r:id="rId6"/>
-    <p:sldId id="261" r:id="rId7"/>
-    <p:sldId id="262" r:id="rId8"/>
-    <p:sldId id="263" r:id="rId9"/>
+    <p:sldId id="262" r:id="rId7"/>
+    <p:sldId id="263" r:id="rId8"/>
   </p:sldIdLst>
   <p:sldSz cx="12192000" cy="6858000"/>
   <p:notesSz cx="6858000" cy="9144000"/>
@@ -121,7 +120,6 @@
             <p14:sldId id="258"/>
             <p14:sldId id="259"/>
             <p14:sldId id="260"/>
-            <p14:sldId id="261"/>
             <p14:sldId id="262"/>
             <p14:sldId id="263"/>
           </p14:sldIdLst>
@@ -3539,7 +3537,7 @@
         </p:spPr>
         <p:txBody>
           <a:bodyPr>
-            <a:normAutofit fontScale="92500"/>
+            <a:normAutofit/>
           </a:bodyPr>
           <a:lstStyle/>
           <a:p>
@@ -3598,12 +3596,6 @@
             <a:r>
               <a:rPr lang="en-US" dirty="0"/>
               <a:t>Generate data visualizations</a:t>
-            </a:r>
-          </a:p>
-          <a:p>
-            <a:r>
-              <a:rPr lang="en-US" dirty="0"/>
-              <a:t>Since no clear business objective is stated will also look at correlations and RFM model</a:t>
             </a:r>
           </a:p>
         </p:txBody>
@@ -5398,23 +5390,33 @@
           </a:p>
         </p:txBody>
       </p:sp>
-      <p:sp>
-        <p:nvSpPr>
-          <p:cNvPr id="4" name="AutoShape 2">
-            <a:extLst>
-              <a:ext uri="{FF2B5EF4-FFF2-40B4-BE49-F238E27FC236}">
-                <a16:creationId xmlns:a16="http://schemas.microsoft.com/office/drawing/2014/main" id="{A9D8A479-4812-EE4D-B67D-02517526D2C6}"/>
-              </a:ext>
-            </a:extLst>
-          </p:cNvPr>
-          <p:cNvSpPr>
-            <a:spLocks noGrp="1" noChangeAspect="1" noChangeArrowheads="1"/>
-          </p:cNvSpPr>
+      <p:pic>
+        <p:nvPicPr>
+          <p:cNvPr id="6" name="Content Placeholder 5">
+            <a:extLst>
+              <a:ext uri="{FF2B5EF4-FFF2-40B4-BE49-F238E27FC236}">
+                <a16:creationId xmlns:a16="http://schemas.microsoft.com/office/drawing/2014/main" id="{8969C634-AC46-8445-925D-D5A0A8D9F6D9}"/>
+              </a:ext>
+            </a:extLst>
+          </p:cNvPr>
+          <p:cNvPicPr>
+            <a:picLocks noGrp="1" noChangeAspect="1"/>
+          </p:cNvPicPr>
           <p:nvPr>
             <p:ph idx="1"/>
           </p:nvPr>
-        </p:nvSpPr>
+        </p:nvPicPr>
+        <p:blipFill>
+          <a:blip r:embed="rId2"/>
+          <a:stretch>
+            <a:fillRect/>
+          </a:stretch>
+        </p:blipFill>
         <p:spPr bwMode="auto">
+          <a:xfrm>
+            <a:off x="166493" y="1690688"/>
+            <a:ext cx="7708726" cy="4813278"/>
+          </a:xfrm>
           <a:prstGeom prst="rect">
             <a:avLst/>
           </a:prstGeom>
@@ -5429,15 +5431,66 @@
             </a:ext>
           </a:extLst>
         </p:spPr>
-        <p:txBody>
-          <a:bodyPr vert="horz" wrap="square" lIns="91440" tIns="45720" rIns="91440" bIns="45720" numCol="1" anchor="t" anchorCtr="0" compatLnSpc="1">
-            <a:prstTxWarp prst="textNoShape">
-              <a:avLst/>
-            </a:prstTxWarp>
+      </p:pic>
+      <p:sp>
+        <p:nvSpPr>
+          <p:cNvPr id="7" name="TextBox 6">
+            <a:extLst>
+              <a:ext uri="{FF2B5EF4-FFF2-40B4-BE49-F238E27FC236}">
+                <a16:creationId xmlns:a16="http://schemas.microsoft.com/office/drawing/2014/main" id="{A993F0BC-8673-8243-9C90-74C849E51B50}"/>
+              </a:ext>
+            </a:extLst>
+          </p:cNvPr>
+          <p:cNvSpPr txBox="1"/>
+          <p:nvPr/>
+        </p:nvSpPr>
+        <p:spPr>
+          <a:xfrm>
+            <a:off x="8171145" y="1690688"/>
+            <a:ext cx="3645074" cy="5078313"/>
+          </a:xfrm>
+          <a:prstGeom prst="rect">
+            <a:avLst/>
+          </a:prstGeom>
+          <a:noFill/>
+        </p:spPr>
+        <p:txBody>
+          <a:bodyPr wrap="square" rtlCol="0">
+            <a:spAutoFit/>
           </a:bodyPr>
           <a:lstStyle/>
           <a:p>
+            <a:r>
+              <a:rPr lang="en-US" dirty="0"/>
+              <a:t>- In 2020 most parents where active primarily in the fall while in 2021 most parents where active both in the winter and summer</a:t>
+            </a:r>
+          </a:p>
+          <a:p>
             <a:endParaRPr lang="en-US" dirty="0"/>
+          </a:p>
+          <a:p>
+            <a:r>
+              <a:rPr lang="en-US" dirty="0"/>
+              <a:t>- Year over year behavior is quite different.  2020 had a summer peak while 2021 had multiple peaks.  Month 7 for 2020 and Month 3 and 7 for 2021.  Needs more investigation</a:t>
+            </a:r>
+          </a:p>
+          <a:p>
+            <a:endParaRPr lang="en-US" dirty="0"/>
+          </a:p>
+          <a:p>
+            <a:r>
+              <a:rPr lang="en-US" dirty="0"/>
+              <a:t>- Looks like there is a strong correlation between transfer and deposit amount.  Correlation plot in Appendix</a:t>
+            </a:r>
+          </a:p>
+          <a:p>
+            <a:endParaRPr lang="en-US" dirty="0"/>
+          </a:p>
+          <a:p>
+            <a:r>
+              <a:rPr lang="en-US" dirty="0"/>
+              <a:t>- For next steps might be worthwhile looking at RFM modelling</a:t>
+            </a:r>
           </a:p>
         </p:txBody>
       </p:sp>
@@ -5502,28 +5555,103 @@
           </a:p>
         </p:txBody>
       </p:sp>
-      <p:sp>
-        <p:nvSpPr>
-          <p:cNvPr id="3" name="Content Placeholder 2">
-            <a:extLst>
-              <a:ext uri="{FF2B5EF4-FFF2-40B4-BE49-F238E27FC236}">
-                <a16:creationId xmlns:a16="http://schemas.microsoft.com/office/drawing/2014/main" id="{F9B68B50-23AC-5544-A295-256B2438BBA2}"/>
-              </a:ext>
-            </a:extLst>
-          </p:cNvPr>
-          <p:cNvSpPr>
-            <a:spLocks noGrp="1"/>
-          </p:cNvSpPr>
+      <p:pic>
+        <p:nvPicPr>
+          <p:cNvPr id="5" name="Content Placeholder 4">
+            <a:extLst>
+              <a:ext uri="{FF2B5EF4-FFF2-40B4-BE49-F238E27FC236}">
+                <a16:creationId xmlns:a16="http://schemas.microsoft.com/office/drawing/2014/main" id="{351C6C43-DADF-A44F-B5FA-85589BA8F6F7}"/>
+              </a:ext>
+            </a:extLst>
+          </p:cNvPr>
+          <p:cNvPicPr>
+            <a:picLocks noGrp="1" noChangeAspect="1"/>
+          </p:cNvPicPr>
           <p:nvPr>
             <p:ph idx="1"/>
           </p:nvPr>
-        </p:nvSpPr>
-        <p:spPr/>
-        <p:txBody>
-          <a:bodyPr/>
-          <a:lstStyle/>
-          <a:p>
-            <a:endParaRPr lang="en-US"/>
+        </p:nvPicPr>
+        <p:blipFill>
+          <a:blip r:embed="rId2"/>
+          <a:stretch>
+            <a:fillRect/>
+          </a:stretch>
+        </p:blipFill>
+        <p:spPr>
+          <a:xfrm>
+            <a:off x="124853" y="1712609"/>
+            <a:ext cx="7926581" cy="4802187"/>
+          </a:xfrm>
+        </p:spPr>
+      </p:pic>
+      <p:sp>
+        <p:nvSpPr>
+          <p:cNvPr id="6" name="TextBox 5">
+            <a:extLst>
+              <a:ext uri="{FF2B5EF4-FFF2-40B4-BE49-F238E27FC236}">
+                <a16:creationId xmlns:a16="http://schemas.microsoft.com/office/drawing/2014/main" id="{BBEB4AA5-62D4-F541-BE50-90FECC822D04}"/>
+              </a:ext>
+            </a:extLst>
+          </p:cNvPr>
+          <p:cNvSpPr txBox="1"/>
+          <p:nvPr/>
+        </p:nvSpPr>
+        <p:spPr>
+          <a:xfrm>
+            <a:off x="8467596" y="1662179"/>
+            <a:ext cx="3599551" cy="4524315"/>
+          </a:xfrm>
+          <a:prstGeom prst="rect">
+            <a:avLst/>
+          </a:prstGeom>
+          <a:noFill/>
+        </p:spPr>
+        <p:txBody>
+          <a:bodyPr wrap="square" rtlCol="0">
+            <a:spAutoFit/>
+          </a:bodyPr>
+          <a:lstStyle/>
+          <a:p>
+            <a:r>
+              <a:rPr lang="en-US" dirty="0"/>
+              <a:t>- For 2020 month 7 was the most active while in 2021 it had multiple peaks month 4 and 7.</a:t>
+            </a:r>
+          </a:p>
+          <a:p>
+            <a:endParaRPr lang="en-US" dirty="0"/>
+          </a:p>
+          <a:p>
+            <a:r>
+              <a:rPr lang="en-US" dirty="0"/>
+              <a:t>- Purchase and Receive Amount seem to be strongly correlated</a:t>
+            </a:r>
+          </a:p>
+          <a:p>
+            <a:endParaRPr lang="en-US" dirty="0"/>
+          </a:p>
+          <a:p>
+            <a:r>
+              <a:rPr lang="en-US" dirty="0"/>
+              <a:t>- Transactions in 2021 outpaced 2020</a:t>
+            </a:r>
+          </a:p>
+          <a:p>
+            <a:endParaRPr lang="en-US" dirty="0"/>
+          </a:p>
+          <a:p>
+            <a:r>
+              <a:rPr lang="en-US" dirty="0"/>
+              <a:t>- 2020 followed the same pattern across all metrics</a:t>
+            </a:r>
+          </a:p>
+          <a:p>
+            <a:endParaRPr lang="en-US" dirty="0"/>
+          </a:p>
+          <a:p>
+            <a:r>
+              <a:rPr lang="en-US" dirty="0"/>
+              <a:t>- There was a huge pattern change between 2020 and 2021 across all metrics.  Needs further investigation</a:t>
+            </a:r>
           </a:p>
         </p:txBody>
       </p:sp>
@@ -5557,12 +5685,43 @@
           <a:chExt cx="0" cy="0"/>
         </a:xfrm>
       </p:grpSpPr>
+      <p:sp>
+        <p:nvSpPr>
+          <p:cNvPr id="2" name="Title 1">
+            <a:extLst>
+              <a:ext uri="{FF2B5EF4-FFF2-40B4-BE49-F238E27FC236}">
+                <a16:creationId xmlns:a16="http://schemas.microsoft.com/office/drawing/2014/main" id="{7DD1A05F-2D97-234F-BAA4-D49FB4C3D4EA}"/>
+              </a:ext>
+            </a:extLst>
+          </p:cNvPr>
+          <p:cNvSpPr>
+            <a:spLocks noGrp="1"/>
+          </p:cNvSpPr>
+          <p:nvPr>
+            <p:ph type="title"/>
+          </p:nvPr>
+        </p:nvSpPr>
+        <p:spPr/>
+        <p:txBody>
+          <a:bodyPr/>
+          <a:lstStyle/>
+          <a:p>
+            <a:pPr algn="ctr"/>
+            <a:r>
+              <a:rPr lang="en-US" b="1" dirty="0">
+                <a:latin typeface="+mn-lt"/>
+              </a:rPr>
+              <a:t>Appendix – Parent Data Correlation</a:t>
+            </a:r>
+          </a:p>
+        </p:txBody>
+      </p:sp>
       <p:pic>
         <p:nvPicPr>
-          <p:cNvPr id="5" name="Content Placeholder 4">
-            <a:extLst>
-              <a:ext uri="{FF2B5EF4-FFF2-40B4-BE49-F238E27FC236}">
-                <a16:creationId xmlns:a16="http://schemas.microsoft.com/office/drawing/2014/main" id="{4C33DBE2-3F5C-1347-B27C-F5CBE7A9D449}"/>
+          <p:cNvPr id="9" name="Content Placeholder 8">
+            <a:extLst>
+              <a:ext uri="{FF2B5EF4-FFF2-40B4-BE49-F238E27FC236}">
+                <a16:creationId xmlns:a16="http://schemas.microsoft.com/office/drawing/2014/main" id="{A4A5CBAF-DADA-E049-942B-46F53674022D}"/>
               </a:ext>
             </a:extLst>
           </p:cNvPr>
@@ -5574,9 +5733,7 @@
           </p:nvPr>
         </p:nvPicPr>
         <p:blipFill>
-          <a:blip r:embed="rId2">
-            <a:alphaModFix/>
-          </a:blip>
+          <a:blip r:embed="rId2"/>
           <a:stretch>
             <a:fillRect/>
           </a:stretch>
@@ -5584,45 +5741,52 @@
         <p:spPr>
           <a:xfrm>
             <a:off x="838200" y="1690688"/>
-            <a:ext cx="5446133" cy="4622430"/>
+            <a:ext cx="5412288" cy="4718556"/>
           </a:xfrm>
         </p:spPr>
       </p:pic>
       <p:sp>
         <p:nvSpPr>
-          <p:cNvPr id="2" name="Title 1">
-            <a:extLst>
-              <a:ext uri="{FF2B5EF4-FFF2-40B4-BE49-F238E27FC236}">
-                <a16:creationId xmlns:a16="http://schemas.microsoft.com/office/drawing/2014/main" id="{7DD1A05F-2D97-234F-BAA4-D49FB4C3D4EA}"/>
-              </a:ext>
-            </a:extLst>
-          </p:cNvPr>
-          <p:cNvSpPr>
-            <a:spLocks noGrp="1"/>
-          </p:cNvSpPr>
-          <p:nvPr>
-            <p:ph type="title"/>
-          </p:nvPr>
-        </p:nvSpPr>
-        <p:spPr/>
-        <p:txBody>
-          <a:bodyPr/>
-          <a:lstStyle/>
-          <a:p>
-            <a:pPr algn="ctr"/>
-            <a:r>
-              <a:rPr lang="en-US" b="1" dirty="0">
-                <a:latin typeface="+mn-lt"/>
-              </a:rPr>
-              <a:t>Appendix – Child Data Correlation</a:t>
-            </a:r>
+          <p:cNvPr id="10" name="TextBox 9">
+            <a:extLst>
+              <a:ext uri="{FF2B5EF4-FFF2-40B4-BE49-F238E27FC236}">
+                <a16:creationId xmlns:a16="http://schemas.microsoft.com/office/drawing/2014/main" id="{063A322E-0DB0-0341-B00B-6CDFF9BCD138}"/>
+              </a:ext>
+            </a:extLst>
+          </p:cNvPr>
+          <p:cNvSpPr txBox="1"/>
+          <p:nvPr/>
+        </p:nvSpPr>
+        <p:spPr>
+          <a:xfrm>
+            <a:off x="8029184" y="1690688"/>
+            <a:ext cx="3093929" cy="1200329"/>
+          </a:xfrm>
+          <a:prstGeom prst="rect">
+            <a:avLst/>
+          </a:prstGeom>
+          <a:noFill/>
+        </p:spPr>
+        <p:txBody>
+          <a:bodyPr wrap="square" rtlCol="0">
+            <a:spAutoFit/>
+          </a:bodyPr>
+          <a:lstStyle/>
+          <a:p>
+            <a:r>
+              <a:rPr lang="en-US" dirty="0"/>
+              <a:t>Deposit and Transfer amounts are strongly negatively correlated -0.9.</a:t>
+            </a:r>
+          </a:p>
+          <a:p>
+            <a:endParaRPr lang="en-US" dirty="0"/>
           </a:p>
         </p:txBody>
       </p:sp>
     </p:spTree>
     <p:extLst>
       <p:ext uri="{BB962C8B-B14F-4D97-AF65-F5344CB8AC3E}">
-        <p14:creationId xmlns:p14="http://schemas.microsoft.com/office/powerpoint/2010/main" val="1648161488"/>
+        <p14:creationId xmlns:p14="http://schemas.microsoft.com/office/powerpoint/2010/main" val="3725505265"/>
       </p:ext>
     </p:extLst>
   </p:cSld>
@@ -5675,17 +5839,17 @@
               <a:rPr lang="en-US" b="1" dirty="0">
                 <a:latin typeface="+mn-lt"/>
               </a:rPr>
-              <a:t>Appendix – Parent Data Correlation</a:t>
+              <a:t>Appendix – Parent RFM Model</a:t>
             </a:r>
           </a:p>
         </p:txBody>
       </p:sp>
       <p:pic>
         <p:nvPicPr>
-          <p:cNvPr id="9" name="Content Placeholder 8">
-            <a:extLst>
-              <a:ext uri="{FF2B5EF4-FFF2-40B4-BE49-F238E27FC236}">
-                <a16:creationId xmlns:a16="http://schemas.microsoft.com/office/drawing/2014/main" id="{A4A5CBAF-DADA-E049-942B-46F53674022D}"/>
+          <p:cNvPr id="5" name="Content Placeholder 4">
+            <a:extLst>
+              <a:ext uri="{FF2B5EF4-FFF2-40B4-BE49-F238E27FC236}">
+                <a16:creationId xmlns:a16="http://schemas.microsoft.com/office/drawing/2014/main" id="{B29B501F-3958-1A4C-A66C-F2AA55F8E81A}"/>
               </a:ext>
             </a:extLst>
           </p:cNvPr>
@@ -5704,97 +5868,11 @@
         </p:blipFill>
         <p:spPr>
           <a:xfrm>
-            <a:off x="838200" y="1690688"/>
-            <a:ext cx="5412288" cy="4718556"/>
+            <a:off x="2504799" y="1825625"/>
+            <a:ext cx="7182401" cy="4351338"/>
           </a:xfrm>
         </p:spPr>
       </p:pic>
-    </p:spTree>
-    <p:extLst>
-      <p:ext uri="{BB962C8B-B14F-4D97-AF65-F5344CB8AC3E}">
-        <p14:creationId xmlns:p14="http://schemas.microsoft.com/office/powerpoint/2010/main" val="3725505265"/>
-      </p:ext>
-    </p:extLst>
-  </p:cSld>
-  <p:clrMapOvr>
-    <a:masterClrMapping/>
-  </p:clrMapOvr>
-</p:sld>
-</file>
-
-<file path=ppt/slides/slide8.xml><?xml version="1.0" encoding="utf-8"?>
-<p:sld xmlns:a="http://schemas.openxmlformats.org/drawingml/2006/main" xmlns:r="http://schemas.openxmlformats.org/officeDocument/2006/relationships" xmlns:p="http://schemas.openxmlformats.org/presentationml/2006/main">
-  <p:cSld>
-    <p:spTree>
-      <p:nvGrpSpPr>
-        <p:cNvPr id="1" name=""/>
-        <p:cNvGrpSpPr/>
-        <p:nvPr/>
-      </p:nvGrpSpPr>
-      <p:grpSpPr>
-        <a:xfrm>
-          <a:off x="0" y="0"/>
-          <a:ext cx="0" cy="0"/>
-          <a:chOff x="0" y="0"/>
-          <a:chExt cx="0" cy="0"/>
-        </a:xfrm>
-      </p:grpSpPr>
-      <p:sp>
-        <p:nvSpPr>
-          <p:cNvPr id="2" name="Title 1">
-            <a:extLst>
-              <a:ext uri="{FF2B5EF4-FFF2-40B4-BE49-F238E27FC236}">
-                <a16:creationId xmlns:a16="http://schemas.microsoft.com/office/drawing/2014/main" id="{7DD1A05F-2D97-234F-BAA4-D49FB4C3D4EA}"/>
-              </a:ext>
-            </a:extLst>
-          </p:cNvPr>
-          <p:cNvSpPr>
-            <a:spLocks noGrp="1"/>
-          </p:cNvSpPr>
-          <p:nvPr>
-            <p:ph type="title"/>
-          </p:nvPr>
-        </p:nvSpPr>
-        <p:spPr/>
-        <p:txBody>
-          <a:bodyPr/>
-          <a:lstStyle/>
-          <a:p>
-            <a:pPr algn="ctr"/>
-            <a:r>
-              <a:rPr lang="en-US" b="1" dirty="0">
-                <a:latin typeface="+mn-lt"/>
-              </a:rPr>
-              <a:t>Appendix – Parent RFM Model</a:t>
-            </a:r>
-          </a:p>
-        </p:txBody>
-      </p:sp>
-      <p:sp>
-        <p:nvSpPr>
-          <p:cNvPr id="3" name="Content Placeholder 2">
-            <a:extLst>
-              <a:ext uri="{FF2B5EF4-FFF2-40B4-BE49-F238E27FC236}">
-                <a16:creationId xmlns:a16="http://schemas.microsoft.com/office/drawing/2014/main" id="{7F177213-DE3C-B543-A7F5-B5F4A1E163CF}"/>
-              </a:ext>
-            </a:extLst>
-          </p:cNvPr>
-          <p:cNvSpPr>
-            <a:spLocks noGrp="1"/>
-          </p:cNvSpPr>
-          <p:nvPr>
-            <p:ph idx="1"/>
-          </p:nvPr>
-        </p:nvSpPr>
-        <p:spPr/>
-        <p:txBody>
-          <a:bodyPr/>
-          <a:lstStyle/>
-          <a:p>
-            <a:endParaRPr lang="en-US" dirty="0"/>
-          </a:p>
-        </p:txBody>
-      </p:sp>
     </p:spTree>
     <p:extLst>
       <p:ext uri="{BB962C8B-B14F-4D97-AF65-F5344CB8AC3E}">

--- a/RBC/MyDoh_assignment.pptx
+++ b/RBC/MyDoh_assignment.pptx
@@ -280,7 +280,7 @@
           <a:p>
             <a:fld id="{CC6B3A8E-D37F-1047-83C9-E1D43CBBF964}" type="datetimeFigureOut">
               <a:rPr lang="en-US" smtClean="0"/>
-              <a:t>9/6/21</a:t>
+              <a:t>9/14/21</a:t>
             </a:fld>
             <a:endParaRPr lang="en-US"/>
           </a:p>
@@ -478,7 +478,7 @@
           <a:p>
             <a:fld id="{CC6B3A8E-D37F-1047-83C9-E1D43CBBF964}" type="datetimeFigureOut">
               <a:rPr lang="en-US" smtClean="0"/>
-              <a:t>9/6/21</a:t>
+              <a:t>9/14/21</a:t>
             </a:fld>
             <a:endParaRPr lang="en-US"/>
           </a:p>
@@ -686,7 +686,7 @@
           <a:p>
             <a:fld id="{CC6B3A8E-D37F-1047-83C9-E1D43CBBF964}" type="datetimeFigureOut">
               <a:rPr lang="en-US" smtClean="0"/>
-              <a:t>9/6/21</a:t>
+              <a:t>9/14/21</a:t>
             </a:fld>
             <a:endParaRPr lang="en-US"/>
           </a:p>
@@ -884,7 +884,7 @@
           <a:p>
             <a:fld id="{CC6B3A8E-D37F-1047-83C9-E1D43CBBF964}" type="datetimeFigureOut">
               <a:rPr lang="en-US" smtClean="0"/>
-              <a:t>9/6/21</a:t>
+              <a:t>9/14/21</a:t>
             </a:fld>
             <a:endParaRPr lang="en-US"/>
           </a:p>
@@ -1159,7 +1159,7 @@
           <a:p>
             <a:fld id="{CC6B3A8E-D37F-1047-83C9-E1D43CBBF964}" type="datetimeFigureOut">
               <a:rPr lang="en-US" smtClean="0"/>
-              <a:t>9/6/21</a:t>
+              <a:t>9/14/21</a:t>
             </a:fld>
             <a:endParaRPr lang="en-US"/>
           </a:p>
@@ -1424,7 +1424,7 @@
           <a:p>
             <a:fld id="{CC6B3A8E-D37F-1047-83C9-E1D43CBBF964}" type="datetimeFigureOut">
               <a:rPr lang="en-US" smtClean="0"/>
-              <a:t>9/6/21</a:t>
+              <a:t>9/14/21</a:t>
             </a:fld>
             <a:endParaRPr lang="en-US"/>
           </a:p>
@@ -1836,7 +1836,7 @@
           <a:p>
             <a:fld id="{CC6B3A8E-D37F-1047-83C9-E1D43CBBF964}" type="datetimeFigureOut">
               <a:rPr lang="en-US" smtClean="0"/>
-              <a:t>9/6/21</a:t>
+              <a:t>9/14/21</a:t>
             </a:fld>
             <a:endParaRPr lang="en-US"/>
           </a:p>
@@ -1977,7 +1977,7 @@
           <a:p>
             <a:fld id="{CC6B3A8E-D37F-1047-83C9-E1D43CBBF964}" type="datetimeFigureOut">
               <a:rPr lang="en-US" smtClean="0"/>
-              <a:t>9/6/21</a:t>
+              <a:t>9/14/21</a:t>
             </a:fld>
             <a:endParaRPr lang="en-US"/>
           </a:p>
@@ -2090,7 +2090,7 @@
           <a:p>
             <a:fld id="{CC6B3A8E-D37F-1047-83C9-E1D43CBBF964}" type="datetimeFigureOut">
               <a:rPr lang="en-US" smtClean="0"/>
-              <a:t>9/6/21</a:t>
+              <a:t>9/14/21</a:t>
             </a:fld>
             <a:endParaRPr lang="en-US"/>
           </a:p>
@@ -2401,7 +2401,7 @@
           <a:p>
             <a:fld id="{CC6B3A8E-D37F-1047-83C9-E1D43CBBF964}" type="datetimeFigureOut">
               <a:rPr lang="en-US" smtClean="0"/>
-              <a:t>9/6/21</a:t>
+              <a:t>9/14/21</a:t>
             </a:fld>
             <a:endParaRPr lang="en-US"/>
           </a:p>
@@ -2689,7 +2689,7 @@
           <a:p>
             <a:fld id="{CC6B3A8E-D37F-1047-83C9-E1D43CBBF964}" type="datetimeFigureOut">
               <a:rPr lang="en-US" smtClean="0"/>
-              <a:t>9/6/21</a:t>
+              <a:t>9/14/21</a:t>
             </a:fld>
             <a:endParaRPr lang="en-US"/>
           </a:p>
@@ -2933,7 +2933,7 @@
           <a:p>
             <a:fld id="{CC6B3A8E-D37F-1047-83C9-E1D43CBBF964}" type="datetimeFigureOut">
               <a:rPr lang="en-US" smtClean="0"/>
-              <a:t>9/6/21</a:t>
+              <a:t>9/14/21</a:t>
             </a:fld>
             <a:endParaRPr lang="en-US"/>
           </a:p>
@@ -3656,7 +3656,7 @@
               <a:rPr lang="en-US" b="1" dirty="0">
                 <a:latin typeface="+mn-lt"/>
               </a:rPr>
-              <a:t>Overall Insights (YTD)</a:t>
+              <a:t>Overall Insights</a:t>
             </a:r>
           </a:p>
         </p:txBody>
